--- a/Thuyết trình DATH.pptx
+++ b/Thuyết trình DATH.pptx
@@ -119,7 +119,7 @@
   </p:defaultTextStyle>
   <p:extLst>
     <p:ext uri="{EFAFB233-063F-42B5-8137-9DF3F51BA10A}">
-      <p15:sldGuideLst xmlns:p15="http://schemas.microsoft.com/office/powerpoint/2012/main"/>
+      <p15:sldGuideLst xmlns:p15="http://schemas.microsoft.com/office/powerpoint/2012/main" xmlns=""/>
     </p:ext>
   </p:extLst>
 </p:presentation>
@@ -207,7 +207,7 @@
           <a:p>
             <a:fld id="{BD191DC8-1FE8-7046-A8AC-9F90E86112EC}" type="datetimeFigureOut">
               <a:rPr lang="en-US" smtClean="0"/>
-              <a:t>6/27/2020</a:t>
+              <a:t>6/28/2020</a:t>
             </a:fld>
             <a:endParaRPr lang="en-US"/>
           </a:p>
@@ -612,7 +612,7 @@
           <p:cNvPr id="2" name="Title 1">
             <a:extLst>
               <a:ext uri="{FF2B5EF4-FFF2-40B4-BE49-F238E27FC236}">
-                <a16:creationId xmlns:a16="http://schemas.microsoft.com/office/drawing/2014/main" id="{7758DC32-BF88-1D46-85ED-14ED48F69980}"/>
+                <a16:creationId xmlns:a16="http://schemas.microsoft.com/office/drawing/2014/main" xmlns="" id="{7758DC32-BF88-1D46-85ED-14ED48F69980}"/>
               </a:ext>
             </a:extLst>
           </p:cNvPr>
@@ -649,7 +649,7 @@
           <p:cNvPr id="3" name="Subtitle 2">
             <a:extLst>
               <a:ext uri="{FF2B5EF4-FFF2-40B4-BE49-F238E27FC236}">
-                <a16:creationId xmlns:a16="http://schemas.microsoft.com/office/drawing/2014/main" id="{FDAC20EF-9A8B-5545-B944-C687F834823B}"/>
+                <a16:creationId xmlns:a16="http://schemas.microsoft.com/office/drawing/2014/main" xmlns="" id="{FDAC20EF-9A8B-5545-B944-C687F834823B}"/>
               </a:ext>
             </a:extLst>
           </p:cNvPr>
@@ -719,7 +719,7 @@
           <p:cNvPr id="4" name="Date Placeholder 3">
             <a:extLst>
               <a:ext uri="{FF2B5EF4-FFF2-40B4-BE49-F238E27FC236}">
-                <a16:creationId xmlns:a16="http://schemas.microsoft.com/office/drawing/2014/main" id="{599DD17D-1B58-0F41-9221-E93A53A4115B}"/>
+                <a16:creationId xmlns:a16="http://schemas.microsoft.com/office/drawing/2014/main" xmlns="" id="{599DD17D-1B58-0F41-9221-E93A53A4115B}"/>
               </a:ext>
             </a:extLst>
           </p:cNvPr>
@@ -737,7 +737,7 @@
           <a:p>
             <a:fld id="{12B316C6-9DDD-450C-808E-3C716E92AB80}" type="datetime1">
               <a:rPr lang="en-US" smtClean="0"/>
-              <a:t>6/27/2020</a:t>
+              <a:t>6/28/2020</a:t>
             </a:fld>
             <a:endParaRPr lang="en-US"/>
           </a:p>
@@ -748,7 +748,7 @@
           <p:cNvPr id="5" name="Footer Placeholder 4">
             <a:extLst>
               <a:ext uri="{FF2B5EF4-FFF2-40B4-BE49-F238E27FC236}">
-                <a16:creationId xmlns:a16="http://schemas.microsoft.com/office/drawing/2014/main" id="{BDED53B5-9458-464A-BCF5-12E8BE7FD53A}"/>
+                <a16:creationId xmlns:a16="http://schemas.microsoft.com/office/drawing/2014/main" xmlns="" id="{BDED53B5-9458-464A-BCF5-12E8BE7FD53A}"/>
               </a:ext>
             </a:extLst>
           </p:cNvPr>
@@ -773,7 +773,7 @@
           <p:cNvPr id="6" name="Slide Number Placeholder 5">
             <a:extLst>
               <a:ext uri="{FF2B5EF4-FFF2-40B4-BE49-F238E27FC236}">
-                <a16:creationId xmlns:a16="http://schemas.microsoft.com/office/drawing/2014/main" id="{62C4E89C-5E7C-B745-8116-98688BF5CC05}"/>
+                <a16:creationId xmlns:a16="http://schemas.microsoft.com/office/drawing/2014/main" xmlns="" id="{62C4E89C-5E7C-B745-8116-98688BF5CC05}"/>
               </a:ext>
             </a:extLst>
           </p:cNvPr>
@@ -832,7 +832,7 @@
           <p:cNvPr id="2" name="Title 1">
             <a:extLst>
               <a:ext uri="{FF2B5EF4-FFF2-40B4-BE49-F238E27FC236}">
-                <a16:creationId xmlns:a16="http://schemas.microsoft.com/office/drawing/2014/main" id="{9C83F04D-B390-CC4A-BE7B-9C9C20F3BF96}"/>
+                <a16:creationId xmlns:a16="http://schemas.microsoft.com/office/drawing/2014/main" xmlns="" id="{9C83F04D-B390-CC4A-BE7B-9C9C20F3BF96}"/>
               </a:ext>
             </a:extLst>
           </p:cNvPr>
@@ -860,7 +860,7 @@
           <p:cNvPr id="3" name="Vertical Text Placeholder 2">
             <a:extLst>
               <a:ext uri="{FF2B5EF4-FFF2-40B4-BE49-F238E27FC236}">
-                <a16:creationId xmlns:a16="http://schemas.microsoft.com/office/drawing/2014/main" id="{4BB94E83-B174-9849-8526-7A42AFA14EC7}"/>
+                <a16:creationId xmlns:a16="http://schemas.microsoft.com/office/drawing/2014/main" xmlns="" id="{4BB94E83-B174-9849-8526-7A42AFA14EC7}"/>
               </a:ext>
             </a:extLst>
           </p:cNvPr>
@@ -917,7 +917,7 @@
           <p:cNvPr id="4" name="Date Placeholder 3">
             <a:extLst>
               <a:ext uri="{FF2B5EF4-FFF2-40B4-BE49-F238E27FC236}">
-                <a16:creationId xmlns:a16="http://schemas.microsoft.com/office/drawing/2014/main" id="{44AB3A2D-4EA6-FA41-9B7F-D07B35CF8A7B}"/>
+                <a16:creationId xmlns:a16="http://schemas.microsoft.com/office/drawing/2014/main" xmlns="" id="{44AB3A2D-4EA6-FA41-9B7F-D07B35CF8A7B}"/>
               </a:ext>
             </a:extLst>
           </p:cNvPr>
@@ -935,7 +935,7 @@
           <a:p>
             <a:fld id="{900F0338-C055-4A36-8583-F728BE5C0992}" type="datetime1">
               <a:rPr lang="en-US" smtClean="0"/>
-              <a:t>6/27/2020</a:t>
+              <a:t>6/28/2020</a:t>
             </a:fld>
             <a:endParaRPr lang="en-US"/>
           </a:p>
@@ -946,7 +946,7 @@
           <p:cNvPr id="5" name="Footer Placeholder 4">
             <a:extLst>
               <a:ext uri="{FF2B5EF4-FFF2-40B4-BE49-F238E27FC236}">
-                <a16:creationId xmlns:a16="http://schemas.microsoft.com/office/drawing/2014/main" id="{3335B80C-4A15-5A48-AEE6-A385B2D77DA7}"/>
+                <a16:creationId xmlns:a16="http://schemas.microsoft.com/office/drawing/2014/main" xmlns="" id="{3335B80C-4A15-5A48-AEE6-A385B2D77DA7}"/>
               </a:ext>
             </a:extLst>
           </p:cNvPr>
@@ -971,7 +971,7 @@
           <p:cNvPr id="6" name="Slide Number Placeholder 5">
             <a:extLst>
               <a:ext uri="{FF2B5EF4-FFF2-40B4-BE49-F238E27FC236}">
-                <a16:creationId xmlns:a16="http://schemas.microsoft.com/office/drawing/2014/main" id="{176868A3-561B-FB44-B333-FE36541E7920}"/>
+                <a16:creationId xmlns:a16="http://schemas.microsoft.com/office/drawing/2014/main" xmlns="" id="{176868A3-561B-FB44-B333-FE36541E7920}"/>
               </a:ext>
             </a:extLst>
           </p:cNvPr>
@@ -1030,7 +1030,7 @@
           <p:cNvPr id="2" name="Vertical Title 1">
             <a:extLst>
               <a:ext uri="{FF2B5EF4-FFF2-40B4-BE49-F238E27FC236}">
-                <a16:creationId xmlns:a16="http://schemas.microsoft.com/office/drawing/2014/main" id="{505D5FE2-44E3-984F-9305-ADB9E8964AB1}"/>
+                <a16:creationId xmlns:a16="http://schemas.microsoft.com/office/drawing/2014/main" xmlns="" id="{505D5FE2-44E3-984F-9305-ADB9E8964AB1}"/>
               </a:ext>
             </a:extLst>
           </p:cNvPr>
@@ -1063,7 +1063,7 @@
           <p:cNvPr id="3" name="Vertical Text Placeholder 2">
             <a:extLst>
               <a:ext uri="{FF2B5EF4-FFF2-40B4-BE49-F238E27FC236}">
-                <a16:creationId xmlns:a16="http://schemas.microsoft.com/office/drawing/2014/main" id="{335C07D6-DDC5-5942-BF83-5C8C20314246}"/>
+                <a16:creationId xmlns:a16="http://schemas.microsoft.com/office/drawing/2014/main" xmlns="" id="{335C07D6-DDC5-5942-BF83-5C8C20314246}"/>
               </a:ext>
             </a:extLst>
           </p:cNvPr>
@@ -1125,7 +1125,7 @@
           <p:cNvPr id="4" name="Date Placeholder 3">
             <a:extLst>
               <a:ext uri="{FF2B5EF4-FFF2-40B4-BE49-F238E27FC236}">
-                <a16:creationId xmlns:a16="http://schemas.microsoft.com/office/drawing/2014/main" id="{F2DA57F2-BDA8-0443-BEF7-C1272834C0F8}"/>
+                <a16:creationId xmlns:a16="http://schemas.microsoft.com/office/drawing/2014/main" xmlns="" id="{F2DA57F2-BDA8-0443-BEF7-C1272834C0F8}"/>
               </a:ext>
             </a:extLst>
           </p:cNvPr>
@@ -1143,7 +1143,7 @@
           <a:p>
             <a:fld id="{D5BD8363-F2FE-487D-83AD-0DA509F3257C}" type="datetime1">
               <a:rPr lang="en-US" smtClean="0"/>
-              <a:t>6/27/2020</a:t>
+              <a:t>6/28/2020</a:t>
             </a:fld>
             <a:endParaRPr lang="en-US"/>
           </a:p>
@@ -1154,7 +1154,7 @@
           <p:cNvPr id="5" name="Footer Placeholder 4">
             <a:extLst>
               <a:ext uri="{FF2B5EF4-FFF2-40B4-BE49-F238E27FC236}">
-                <a16:creationId xmlns:a16="http://schemas.microsoft.com/office/drawing/2014/main" id="{B3C43E03-2518-CC4D-AD21-B2B07570DF8A}"/>
+                <a16:creationId xmlns:a16="http://schemas.microsoft.com/office/drawing/2014/main" xmlns="" id="{B3C43E03-2518-CC4D-AD21-B2B07570DF8A}"/>
               </a:ext>
             </a:extLst>
           </p:cNvPr>
@@ -1179,7 +1179,7 @@
           <p:cNvPr id="6" name="Slide Number Placeholder 5">
             <a:extLst>
               <a:ext uri="{FF2B5EF4-FFF2-40B4-BE49-F238E27FC236}">
-                <a16:creationId xmlns:a16="http://schemas.microsoft.com/office/drawing/2014/main" id="{AEFF4673-7EBB-1B43-9C9D-CAE687B2F35C}"/>
+                <a16:creationId xmlns:a16="http://schemas.microsoft.com/office/drawing/2014/main" xmlns="" id="{AEFF4673-7EBB-1B43-9C9D-CAE687B2F35C}"/>
               </a:ext>
             </a:extLst>
           </p:cNvPr>
@@ -1268,7 +1268,7 @@
           <p:cNvPr id="2" name="Title 1">
             <a:extLst>
               <a:ext uri="{FF2B5EF4-FFF2-40B4-BE49-F238E27FC236}">
-                <a16:creationId xmlns:a16="http://schemas.microsoft.com/office/drawing/2014/main" id="{20B64CB3-1FCC-F048-98FF-8030914D003A}"/>
+                <a16:creationId xmlns:a16="http://schemas.microsoft.com/office/drawing/2014/main" xmlns="" id="{20B64CB3-1FCC-F048-98FF-8030914D003A}"/>
               </a:ext>
             </a:extLst>
           </p:cNvPr>
@@ -1296,7 +1296,7 @@
           <p:cNvPr id="3" name="Content Placeholder 2">
             <a:extLst>
               <a:ext uri="{FF2B5EF4-FFF2-40B4-BE49-F238E27FC236}">
-                <a16:creationId xmlns:a16="http://schemas.microsoft.com/office/drawing/2014/main" id="{CEFBEB5C-5428-A547-93A2-E6EB9355939F}"/>
+                <a16:creationId xmlns:a16="http://schemas.microsoft.com/office/drawing/2014/main" xmlns="" id="{CEFBEB5C-5428-A547-93A2-E6EB9355939F}"/>
               </a:ext>
             </a:extLst>
           </p:cNvPr>
@@ -1353,7 +1353,7 @@
           <p:cNvPr id="4" name="Date Placeholder 3">
             <a:extLst>
               <a:ext uri="{FF2B5EF4-FFF2-40B4-BE49-F238E27FC236}">
-                <a16:creationId xmlns:a16="http://schemas.microsoft.com/office/drawing/2014/main" id="{17EC020A-9363-C04A-84A4-CB2515899C00}"/>
+                <a16:creationId xmlns:a16="http://schemas.microsoft.com/office/drawing/2014/main" xmlns="" id="{17EC020A-9363-C04A-84A4-CB2515899C00}"/>
               </a:ext>
             </a:extLst>
           </p:cNvPr>
@@ -1371,7 +1371,7 @@
           <a:p>
             <a:fld id="{DAFF26F0-B013-4E5C-A58C-1CDFBE2145CD}" type="datetime1">
               <a:rPr lang="en-US" smtClean="0"/>
-              <a:t>6/27/2020</a:t>
+              <a:t>6/28/2020</a:t>
             </a:fld>
             <a:endParaRPr lang="en-US"/>
           </a:p>
@@ -1382,7 +1382,7 @@
           <p:cNvPr id="5" name="Footer Placeholder 4">
             <a:extLst>
               <a:ext uri="{FF2B5EF4-FFF2-40B4-BE49-F238E27FC236}">
-                <a16:creationId xmlns:a16="http://schemas.microsoft.com/office/drawing/2014/main" id="{042EC853-6C86-FD47-82D9-C7E93F2925D2}"/>
+                <a16:creationId xmlns:a16="http://schemas.microsoft.com/office/drawing/2014/main" xmlns="" id="{042EC853-6C86-FD47-82D9-C7E93F2925D2}"/>
               </a:ext>
             </a:extLst>
           </p:cNvPr>
@@ -1407,7 +1407,7 @@
           <p:cNvPr id="6" name="Slide Number Placeholder 5">
             <a:extLst>
               <a:ext uri="{FF2B5EF4-FFF2-40B4-BE49-F238E27FC236}">
-                <a16:creationId xmlns:a16="http://schemas.microsoft.com/office/drawing/2014/main" id="{EA653DA4-CFE5-874B-B3B9-8F105C8A0C59}"/>
+                <a16:creationId xmlns:a16="http://schemas.microsoft.com/office/drawing/2014/main" xmlns="" id="{EA653DA4-CFE5-874B-B3B9-8F105C8A0C59}"/>
               </a:ext>
             </a:extLst>
           </p:cNvPr>
@@ -1466,7 +1466,7 @@
           <p:cNvPr id="2" name="Title 1">
             <a:extLst>
               <a:ext uri="{FF2B5EF4-FFF2-40B4-BE49-F238E27FC236}">
-                <a16:creationId xmlns:a16="http://schemas.microsoft.com/office/drawing/2014/main" id="{743F49F8-BA27-414E-8234-32FB70CD9797}"/>
+                <a16:creationId xmlns:a16="http://schemas.microsoft.com/office/drawing/2014/main" xmlns="" id="{743F49F8-BA27-414E-8234-32FB70CD9797}"/>
               </a:ext>
             </a:extLst>
           </p:cNvPr>
@@ -1503,7 +1503,7 @@
           <p:cNvPr id="3" name="Text Placeholder 2">
             <a:extLst>
               <a:ext uri="{FF2B5EF4-FFF2-40B4-BE49-F238E27FC236}">
-                <a16:creationId xmlns:a16="http://schemas.microsoft.com/office/drawing/2014/main" id="{431A6ECF-3E03-514A-92B3-8C2D194B9A03}"/>
+                <a16:creationId xmlns:a16="http://schemas.microsoft.com/office/drawing/2014/main" xmlns="" id="{431A6ECF-3E03-514A-92B3-8C2D194B9A03}"/>
               </a:ext>
             </a:extLst>
           </p:cNvPr>
@@ -1628,7 +1628,7 @@
           <p:cNvPr id="4" name="Date Placeholder 3">
             <a:extLst>
               <a:ext uri="{FF2B5EF4-FFF2-40B4-BE49-F238E27FC236}">
-                <a16:creationId xmlns:a16="http://schemas.microsoft.com/office/drawing/2014/main" id="{431C13C0-DC62-394E-8F9D-9D9FCEF3F3AE}"/>
+                <a16:creationId xmlns:a16="http://schemas.microsoft.com/office/drawing/2014/main" xmlns="" id="{431C13C0-DC62-394E-8F9D-9D9FCEF3F3AE}"/>
               </a:ext>
             </a:extLst>
           </p:cNvPr>
@@ -1646,7 +1646,7 @@
           <a:p>
             <a:fld id="{FE83232B-7EBA-4632-876C-36F83624BB99}" type="datetime1">
               <a:rPr lang="en-US" smtClean="0"/>
-              <a:t>6/27/2020</a:t>
+              <a:t>6/28/2020</a:t>
             </a:fld>
             <a:endParaRPr lang="en-US"/>
           </a:p>
@@ -1657,7 +1657,7 @@
           <p:cNvPr id="5" name="Footer Placeholder 4">
             <a:extLst>
               <a:ext uri="{FF2B5EF4-FFF2-40B4-BE49-F238E27FC236}">
-                <a16:creationId xmlns:a16="http://schemas.microsoft.com/office/drawing/2014/main" id="{F528A9A6-94B8-034A-8EB1-47F14F6BC249}"/>
+                <a16:creationId xmlns:a16="http://schemas.microsoft.com/office/drawing/2014/main" xmlns="" id="{F528A9A6-94B8-034A-8EB1-47F14F6BC249}"/>
               </a:ext>
             </a:extLst>
           </p:cNvPr>
@@ -1682,7 +1682,7 @@
           <p:cNvPr id="6" name="Slide Number Placeholder 5">
             <a:extLst>
               <a:ext uri="{FF2B5EF4-FFF2-40B4-BE49-F238E27FC236}">
-                <a16:creationId xmlns:a16="http://schemas.microsoft.com/office/drawing/2014/main" id="{FA10D569-20D2-8F4D-B9F3-50E154273C45}"/>
+                <a16:creationId xmlns:a16="http://schemas.microsoft.com/office/drawing/2014/main" xmlns="" id="{FA10D569-20D2-8F4D-B9F3-50E154273C45}"/>
               </a:ext>
             </a:extLst>
           </p:cNvPr>
@@ -1741,7 +1741,7 @@
           <p:cNvPr id="2" name="Title 1">
             <a:extLst>
               <a:ext uri="{FF2B5EF4-FFF2-40B4-BE49-F238E27FC236}">
-                <a16:creationId xmlns:a16="http://schemas.microsoft.com/office/drawing/2014/main" id="{6A8AC3FF-EABD-FB45-9913-384CFF4313BE}"/>
+                <a16:creationId xmlns:a16="http://schemas.microsoft.com/office/drawing/2014/main" xmlns="" id="{6A8AC3FF-EABD-FB45-9913-384CFF4313BE}"/>
               </a:ext>
             </a:extLst>
           </p:cNvPr>
@@ -1769,7 +1769,7 @@
           <p:cNvPr id="3" name="Content Placeholder 2">
             <a:extLst>
               <a:ext uri="{FF2B5EF4-FFF2-40B4-BE49-F238E27FC236}">
-                <a16:creationId xmlns:a16="http://schemas.microsoft.com/office/drawing/2014/main" id="{1FDB9DAD-5E6B-6841-8DDC-8A51A8DD679A}"/>
+                <a16:creationId xmlns:a16="http://schemas.microsoft.com/office/drawing/2014/main" xmlns="" id="{1FDB9DAD-5E6B-6841-8DDC-8A51A8DD679A}"/>
               </a:ext>
             </a:extLst>
           </p:cNvPr>
@@ -1831,7 +1831,7 @@
           <p:cNvPr id="4" name="Content Placeholder 3">
             <a:extLst>
               <a:ext uri="{FF2B5EF4-FFF2-40B4-BE49-F238E27FC236}">
-                <a16:creationId xmlns:a16="http://schemas.microsoft.com/office/drawing/2014/main" id="{58FFAC56-75A2-C144-B75A-C3DD473D4581}"/>
+                <a16:creationId xmlns:a16="http://schemas.microsoft.com/office/drawing/2014/main" xmlns="" id="{58FFAC56-75A2-C144-B75A-C3DD473D4581}"/>
               </a:ext>
             </a:extLst>
           </p:cNvPr>
@@ -1893,7 +1893,7 @@
           <p:cNvPr id="5" name="Date Placeholder 4">
             <a:extLst>
               <a:ext uri="{FF2B5EF4-FFF2-40B4-BE49-F238E27FC236}">
-                <a16:creationId xmlns:a16="http://schemas.microsoft.com/office/drawing/2014/main" id="{2F01711C-ABF4-1C47-B089-E4848A223FD3}"/>
+                <a16:creationId xmlns:a16="http://schemas.microsoft.com/office/drawing/2014/main" xmlns="" id="{2F01711C-ABF4-1C47-B089-E4848A223FD3}"/>
               </a:ext>
             </a:extLst>
           </p:cNvPr>
@@ -1911,7 +1911,7 @@
           <a:p>
             <a:fld id="{58DB7464-EE16-4D57-89C0-897A334D3A15}" type="datetime1">
               <a:rPr lang="en-US" smtClean="0"/>
-              <a:t>6/27/2020</a:t>
+              <a:t>6/28/2020</a:t>
             </a:fld>
             <a:endParaRPr lang="en-US"/>
           </a:p>
@@ -1922,7 +1922,7 @@
           <p:cNvPr id="6" name="Footer Placeholder 5">
             <a:extLst>
               <a:ext uri="{FF2B5EF4-FFF2-40B4-BE49-F238E27FC236}">
-                <a16:creationId xmlns:a16="http://schemas.microsoft.com/office/drawing/2014/main" id="{474A066D-5587-3044-B514-922B69FDC678}"/>
+                <a16:creationId xmlns:a16="http://schemas.microsoft.com/office/drawing/2014/main" xmlns="" id="{474A066D-5587-3044-B514-922B69FDC678}"/>
               </a:ext>
             </a:extLst>
           </p:cNvPr>
@@ -1947,7 +1947,7 @@
           <p:cNvPr id="7" name="Slide Number Placeholder 6">
             <a:extLst>
               <a:ext uri="{FF2B5EF4-FFF2-40B4-BE49-F238E27FC236}">
-                <a16:creationId xmlns:a16="http://schemas.microsoft.com/office/drawing/2014/main" id="{8CBAD62E-12EA-B445-BC09-6E80475216DD}"/>
+                <a16:creationId xmlns:a16="http://schemas.microsoft.com/office/drawing/2014/main" xmlns="" id="{8CBAD62E-12EA-B445-BC09-6E80475216DD}"/>
               </a:ext>
             </a:extLst>
           </p:cNvPr>
@@ -2006,7 +2006,7 @@
           <p:cNvPr id="2" name="Title 1">
             <a:extLst>
               <a:ext uri="{FF2B5EF4-FFF2-40B4-BE49-F238E27FC236}">
-                <a16:creationId xmlns:a16="http://schemas.microsoft.com/office/drawing/2014/main" id="{A7ED9C4A-4541-F74B-8CB9-696ECAE6F59A}"/>
+                <a16:creationId xmlns:a16="http://schemas.microsoft.com/office/drawing/2014/main" xmlns="" id="{A7ED9C4A-4541-F74B-8CB9-696ECAE6F59A}"/>
               </a:ext>
             </a:extLst>
           </p:cNvPr>
@@ -2039,7 +2039,7 @@
           <p:cNvPr id="3" name="Text Placeholder 2">
             <a:extLst>
               <a:ext uri="{FF2B5EF4-FFF2-40B4-BE49-F238E27FC236}">
-                <a16:creationId xmlns:a16="http://schemas.microsoft.com/office/drawing/2014/main" id="{DD9F3726-14E9-0342-BBB0-89E9744DB34A}"/>
+                <a16:creationId xmlns:a16="http://schemas.microsoft.com/office/drawing/2014/main" xmlns="" id="{DD9F3726-14E9-0342-BBB0-89E9744DB34A}"/>
               </a:ext>
             </a:extLst>
           </p:cNvPr>
@@ -2110,7 +2110,7 @@
           <p:cNvPr id="4" name="Content Placeholder 3">
             <a:extLst>
               <a:ext uri="{FF2B5EF4-FFF2-40B4-BE49-F238E27FC236}">
-                <a16:creationId xmlns:a16="http://schemas.microsoft.com/office/drawing/2014/main" id="{9A2CDAFC-3FB8-4A42-A5F5-A8F5543E8F56}"/>
+                <a16:creationId xmlns:a16="http://schemas.microsoft.com/office/drawing/2014/main" xmlns="" id="{9A2CDAFC-3FB8-4A42-A5F5-A8F5543E8F56}"/>
               </a:ext>
             </a:extLst>
           </p:cNvPr>
@@ -2172,7 +2172,7 @@
           <p:cNvPr id="5" name="Text Placeholder 4">
             <a:extLst>
               <a:ext uri="{FF2B5EF4-FFF2-40B4-BE49-F238E27FC236}">
-                <a16:creationId xmlns:a16="http://schemas.microsoft.com/office/drawing/2014/main" id="{34847678-3BC8-9E40-A9BB-058B5B6FC59E}"/>
+                <a16:creationId xmlns:a16="http://schemas.microsoft.com/office/drawing/2014/main" xmlns="" id="{34847678-3BC8-9E40-A9BB-058B5B6FC59E}"/>
               </a:ext>
             </a:extLst>
           </p:cNvPr>
@@ -2243,7 +2243,7 @@
           <p:cNvPr id="6" name="Content Placeholder 5">
             <a:extLst>
               <a:ext uri="{FF2B5EF4-FFF2-40B4-BE49-F238E27FC236}">
-                <a16:creationId xmlns:a16="http://schemas.microsoft.com/office/drawing/2014/main" id="{72756642-34F4-0F43-BACC-432A6BEAE17E}"/>
+                <a16:creationId xmlns:a16="http://schemas.microsoft.com/office/drawing/2014/main" xmlns="" id="{72756642-34F4-0F43-BACC-432A6BEAE17E}"/>
               </a:ext>
             </a:extLst>
           </p:cNvPr>
@@ -2305,7 +2305,7 @@
           <p:cNvPr id="7" name="Date Placeholder 6">
             <a:extLst>
               <a:ext uri="{FF2B5EF4-FFF2-40B4-BE49-F238E27FC236}">
-                <a16:creationId xmlns:a16="http://schemas.microsoft.com/office/drawing/2014/main" id="{871442C8-6975-9341-84F6-CCE1E263FA56}"/>
+                <a16:creationId xmlns:a16="http://schemas.microsoft.com/office/drawing/2014/main" xmlns="" id="{871442C8-6975-9341-84F6-CCE1E263FA56}"/>
               </a:ext>
             </a:extLst>
           </p:cNvPr>
@@ -2323,7 +2323,7 @@
           <a:p>
             <a:fld id="{F169B487-7EB1-441E-9BCA-74C9366DD9F1}" type="datetime1">
               <a:rPr lang="en-US" smtClean="0"/>
-              <a:t>6/27/2020</a:t>
+              <a:t>6/28/2020</a:t>
             </a:fld>
             <a:endParaRPr lang="en-US"/>
           </a:p>
@@ -2334,7 +2334,7 @@
           <p:cNvPr id="8" name="Footer Placeholder 7">
             <a:extLst>
               <a:ext uri="{FF2B5EF4-FFF2-40B4-BE49-F238E27FC236}">
-                <a16:creationId xmlns:a16="http://schemas.microsoft.com/office/drawing/2014/main" id="{6C20C770-EC30-FF4E-9A27-03569A9346B9}"/>
+                <a16:creationId xmlns:a16="http://schemas.microsoft.com/office/drawing/2014/main" xmlns="" id="{6C20C770-EC30-FF4E-9A27-03569A9346B9}"/>
               </a:ext>
             </a:extLst>
           </p:cNvPr>
@@ -2359,7 +2359,7 @@
           <p:cNvPr id="9" name="Slide Number Placeholder 8">
             <a:extLst>
               <a:ext uri="{FF2B5EF4-FFF2-40B4-BE49-F238E27FC236}">
-                <a16:creationId xmlns:a16="http://schemas.microsoft.com/office/drawing/2014/main" id="{EC5472D5-8559-1742-BBD2-129C63DD03D1}"/>
+                <a16:creationId xmlns:a16="http://schemas.microsoft.com/office/drawing/2014/main" xmlns="" id="{EC5472D5-8559-1742-BBD2-129C63DD03D1}"/>
               </a:ext>
             </a:extLst>
           </p:cNvPr>
@@ -2418,7 +2418,7 @@
           <p:cNvPr id="2" name="Title 1">
             <a:extLst>
               <a:ext uri="{FF2B5EF4-FFF2-40B4-BE49-F238E27FC236}">
-                <a16:creationId xmlns:a16="http://schemas.microsoft.com/office/drawing/2014/main" id="{D4075465-7575-2943-AF6D-A2A74BF7EC73}"/>
+                <a16:creationId xmlns:a16="http://schemas.microsoft.com/office/drawing/2014/main" xmlns="" id="{D4075465-7575-2943-AF6D-A2A74BF7EC73}"/>
               </a:ext>
             </a:extLst>
           </p:cNvPr>
@@ -2446,7 +2446,7 @@
           <p:cNvPr id="3" name="Date Placeholder 2">
             <a:extLst>
               <a:ext uri="{FF2B5EF4-FFF2-40B4-BE49-F238E27FC236}">
-                <a16:creationId xmlns:a16="http://schemas.microsoft.com/office/drawing/2014/main" id="{707DA5F1-8618-7644-AAD1-D41E512538A7}"/>
+                <a16:creationId xmlns:a16="http://schemas.microsoft.com/office/drawing/2014/main" xmlns="" id="{707DA5F1-8618-7644-AAD1-D41E512538A7}"/>
               </a:ext>
             </a:extLst>
           </p:cNvPr>
@@ -2464,7 +2464,7 @@
           <a:p>
             <a:fld id="{D6D4D4DC-00CE-4604-BDC4-EED829426A48}" type="datetime1">
               <a:rPr lang="en-US" smtClean="0"/>
-              <a:t>6/27/2020</a:t>
+              <a:t>6/28/2020</a:t>
             </a:fld>
             <a:endParaRPr lang="en-US"/>
           </a:p>
@@ -2475,7 +2475,7 @@
           <p:cNvPr id="4" name="Footer Placeholder 3">
             <a:extLst>
               <a:ext uri="{FF2B5EF4-FFF2-40B4-BE49-F238E27FC236}">
-                <a16:creationId xmlns:a16="http://schemas.microsoft.com/office/drawing/2014/main" id="{9130DA8E-E8FB-7749-AF6C-B66CEB959349}"/>
+                <a16:creationId xmlns:a16="http://schemas.microsoft.com/office/drawing/2014/main" xmlns="" id="{9130DA8E-E8FB-7749-AF6C-B66CEB959349}"/>
               </a:ext>
             </a:extLst>
           </p:cNvPr>
@@ -2500,7 +2500,7 @@
           <p:cNvPr id="5" name="Slide Number Placeholder 4">
             <a:extLst>
               <a:ext uri="{FF2B5EF4-FFF2-40B4-BE49-F238E27FC236}">
-                <a16:creationId xmlns:a16="http://schemas.microsoft.com/office/drawing/2014/main" id="{AF1B076B-6CA5-F94A-A5A8-DF37C2A70339}"/>
+                <a16:creationId xmlns:a16="http://schemas.microsoft.com/office/drawing/2014/main" xmlns="" id="{AF1B076B-6CA5-F94A-A5A8-DF37C2A70339}"/>
               </a:ext>
             </a:extLst>
           </p:cNvPr>
@@ -2559,7 +2559,7 @@
           <p:cNvPr id="2" name="Date Placeholder 1">
             <a:extLst>
               <a:ext uri="{FF2B5EF4-FFF2-40B4-BE49-F238E27FC236}">
-                <a16:creationId xmlns:a16="http://schemas.microsoft.com/office/drawing/2014/main" id="{BAE55AA1-17A4-E141-931D-0161A73B6183}"/>
+                <a16:creationId xmlns:a16="http://schemas.microsoft.com/office/drawing/2014/main" xmlns="" id="{BAE55AA1-17A4-E141-931D-0161A73B6183}"/>
               </a:ext>
             </a:extLst>
           </p:cNvPr>
@@ -2577,7 +2577,7 @@
           <a:p>
             <a:fld id="{3447ED1A-4D2D-4044-9B87-DC8A50B192DF}" type="datetime1">
               <a:rPr lang="en-US" smtClean="0"/>
-              <a:t>6/27/2020</a:t>
+              <a:t>6/28/2020</a:t>
             </a:fld>
             <a:endParaRPr lang="en-US"/>
           </a:p>
@@ -2588,7 +2588,7 @@
           <p:cNvPr id="3" name="Footer Placeholder 2">
             <a:extLst>
               <a:ext uri="{FF2B5EF4-FFF2-40B4-BE49-F238E27FC236}">
-                <a16:creationId xmlns:a16="http://schemas.microsoft.com/office/drawing/2014/main" id="{6EB327F7-A528-344B-A5D9-DE7831C27E5E}"/>
+                <a16:creationId xmlns:a16="http://schemas.microsoft.com/office/drawing/2014/main" xmlns="" id="{6EB327F7-A528-344B-A5D9-DE7831C27E5E}"/>
               </a:ext>
             </a:extLst>
           </p:cNvPr>
@@ -2613,7 +2613,7 @@
           <p:cNvPr id="4" name="Slide Number Placeholder 3">
             <a:extLst>
               <a:ext uri="{FF2B5EF4-FFF2-40B4-BE49-F238E27FC236}">
-                <a16:creationId xmlns:a16="http://schemas.microsoft.com/office/drawing/2014/main" id="{D2DC8156-FCA4-484B-BC7B-8133A9B6BC3A}"/>
+                <a16:creationId xmlns:a16="http://schemas.microsoft.com/office/drawing/2014/main" xmlns="" id="{D2DC8156-FCA4-484B-BC7B-8133A9B6BC3A}"/>
               </a:ext>
             </a:extLst>
           </p:cNvPr>
@@ -2672,7 +2672,7 @@
           <p:cNvPr id="2" name="Title 1">
             <a:extLst>
               <a:ext uri="{FF2B5EF4-FFF2-40B4-BE49-F238E27FC236}">
-                <a16:creationId xmlns:a16="http://schemas.microsoft.com/office/drawing/2014/main" id="{1C0CC763-2284-D64A-8FC6-C9709EEE92BB}"/>
+                <a16:creationId xmlns:a16="http://schemas.microsoft.com/office/drawing/2014/main" xmlns="" id="{1C0CC763-2284-D64A-8FC6-C9709EEE92BB}"/>
               </a:ext>
             </a:extLst>
           </p:cNvPr>
@@ -2709,7 +2709,7 @@
           <p:cNvPr id="3" name="Content Placeholder 2">
             <a:extLst>
               <a:ext uri="{FF2B5EF4-FFF2-40B4-BE49-F238E27FC236}">
-                <a16:creationId xmlns:a16="http://schemas.microsoft.com/office/drawing/2014/main" id="{C755C311-48BE-7B44-B16C-44F509BFEC4F}"/>
+                <a16:creationId xmlns:a16="http://schemas.microsoft.com/office/drawing/2014/main" xmlns="" id="{C755C311-48BE-7B44-B16C-44F509BFEC4F}"/>
               </a:ext>
             </a:extLst>
           </p:cNvPr>
@@ -2799,7 +2799,7 @@
           <p:cNvPr id="4" name="Text Placeholder 3">
             <a:extLst>
               <a:ext uri="{FF2B5EF4-FFF2-40B4-BE49-F238E27FC236}">
-                <a16:creationId xmlns:a16="http://schemas.microsoft.com/office/drawing/2014/main" id="{1CFD447C-C1E2-A24F-9324-10AFEC4BA383}"/>
+                <a16:creationId xmlns:a16="http://schemas.microsoft.com/office/drawing/2014/main" xmlns="" id="{1CFD447C-C1E2-A24F-9324-10AFEC4BA383}"/>
               </a:ext>
             </a:extLst>
           </p:cNvPr>
@@ -2870,7 +2870,7 @@
           <p:cNvPr id="5" name="Date Placeholder 4">
             <a:extLst>
               <a:ext uri="{FF2B5EF4-FFF2-40B4-BE49-F238E27FC236}">
-                <a16:creationId xmlns:a16="http://schemas.microsoft.com/office/drawing/2014/main" id="{377D2F58-CEB5-CE4D-A5B0-D3DC988B4667}"/>
+                <a16:creationId xmlns:a16="http://schemas.microsoft.com/office/drawing/2014/main" xmlns="" id="{377D2F58-CEB5-CE4D-A5B0-D3DC988B4667}"/>
               </a:ext>
             </a:extLst>
           </p:cNvPr>
@@ -2888,7 +2888,7 @@
           <a:p>
             <a:fld id="{CF12C000-735A-43E8-8010-5DAB44D2DD40}" type="datetime1">
               <a:rPr lang="en-US" smtClean="0"/>
-              <a:t>6/27/2020</a:t>
+              <a:t>6/28/2020</a:t>
             </a:fld>
             <a:endParaRPr lang="en-US"/>
           </a:p>
@@ -2899,7 +2899,7 @@
           <p:cNvPr id="6" name="Footer Placeholder 5">
             <a:extLst>
               <a:ext uri="{FF2B5EF4-FFF2-40B4-BE49-F238E27FC236}">
-                <a16:creationId xmlns:a16="http://schemas.microsoft.com/office/drawing/2014/main" id="{AEE3C84B-E9A5-AD4F-81AF-4D461CAE6E13}"/>
+                <a16:creationId xmlns:a16="http://schemas.microsoft.com/office/drawing/2014/main" xmlns="" id="{AEE3C84B-E9A5-AD4F-81AF-4D461CAE6E13}"/>
               </a:ext>
             </a:extLst>
           </p:cNvPr>
@@ -2924,7 +2924,7 @@
           <p:cNvPr id="7" name="Slide Number Placeholder 6">
             <a:extLst>
               <a:ext uri="{FF2B5EF4-FFF2-40B4-BE49-F238E27FC236}">
-                <a16:creationId xmlns:a16="http://schemas.microsoft.com/office/drawing/2014/main" id="{0DEA2B68-8F37-CE40-BFF2-F1701DCC82C4}"/>
+                <a16:creationId xmlns:a16="http://schemas.microsoft.com/office/drawing/2014/main" xmlns="" id="{0DEA2B68-8F37-CE40-BFF2-F1701DCC82C4}"/>
               </a:ext>
             </a:extLst>
           </p:cNvPr>
@@ -2983,7 +2983,7 @@
           <p:cNvPr id="2" name="Title 1">
             <a:extLst>
               <a:ext uri="{FF2B5EF4-FFF2-40B4-BE49-F238E27FC236}">
-                <a16:creationId xmlns:a16="http://schemas.microsoft.com/office/drawing/2014/main" id="{A50816DC-F40E-834F-B690-8B74887F1D96}"/>
+                <a16:creationId xmlns:a16="http://schemas.microsoft.com/office/drawing/2014/main" xmlns="" id="{A50816DC-F40E-834F-B690-8B74887F1D96}"/>
               </a:ext>
             </a:extLst>
           </p:cNvPr>
@@ -3020,7 +3020,7 @@
           <p:cNvPr id="3" name="Picture Placeholder 2">
             <a:extLst>
               <a:ext uri="{FF2B5EF4-FFF2-40B4-BE49-F238E27FC236}">
-                <a16:creationId xmlns:a16="http://schemas.microsoft.com/office/drawing/2014/main" id="{800019FF-5BB5-FE4E-A5E4-F60DBAEF3F38}"/>
+                <a16:creationId xmlns:a16="http://schemas.microsoft.com/office/drawing/2014/main" xmlns="" id="{800019FF-5BB5-FE4E-A5E4-F60DBAEF3F38}"/>
               </a:ext>
             </a:extLst>
           </p:cNvPr>
@@ -3087,7 +3087,7 @@
           <p:cNvPr id="4" name="Text Placeholder 3">
             <a:extLst>
               <a:ext uri="{FF2B5EF4-FFF2-40B4-BE49-F238E27FC236}">
-                <a16:creationId xmlns:a16="http://schemas.microsoft.com/office/drawing/2014/main" id="{F893D2B0-325B-F840-9727-06299374847B}"/>
+                <a16:creationId xmlns:a16="http://schemas.microsoft.com/office/drawing/2014/main" xmlns="" id="{F893D2B0-325B-F840-9727-06299374847B}"/>
               </a:ext>
             </a:extLst>
           </p:cNvPr>
@@ -3158,7 +3158,7 @@
           <p:cNvPr id="5" name="Date Placeholder 4">
             <a:extLst>
               <a:ext uri="{FF2B5EF4-FFF2-40B4-BE49-F238E27FC236}">
-                <a16:creationId xmlns:a16="http://schemas.microsoft.com/office/drawing/2014/main" id="{9897B823-2622-2947-AB40-EFDC2FEF7D12}"/>
+                <a16:creationId xmlns:a16="http://schemas.microsoft.com/office/drawing/2014/main" xmlns="" id="{9897B823-2622-2947-AB40-EFDC2FEF7D12}"/>
               </a:ext>
             </a:extLst>
           </p:cNvPr>
@@ -3176,7 +3176,7 @@
           <a:p>
             <a:fld id="{E8AB3950-A5AB-48F9-A258-5702633C6F0B}" type="datetime1">
               <a:rPr lang="en-US" smtClean="0"/>
-              <a:t>6/27/2020</a:t>
+              <a:t>6/28/2020</a:t>
             </a:fld>
             <a:endParaRPr lang="en-US"/>
           </a:p>
@@ -3187,7 +3187,7 @@
           <p:cNvPr id="6" name="Footer Placeholder 5">
             <a:extLst>
               <a:ext uri="{FF2B5EF4-FFF2-40B4-BE49-F238E27FC236}">
-                <a16:creationId xmlns:a16="http://schemas.microsoft.com/office/drawing/2014/main" id="{842CF68B-4E03-5B4E-9C19-3E3E09FFECFA}"/>
+                <a16:creationId xmlns:a16="http://schemas.microsoft.com/office/drawing/2014/main" xmlns="" id="{842CF68B-4E03-5B4E-9C19-3E3E09FFECFA}"/>
               </a:ext>
             </a:extLst>
           </p:cNvPr>
@@ -3212,7 +3212,7 @@
           <p:cNvPr id="7" name="Slide Number Placeholder 6">
             <a:extLst>
               <a:ext uri="{FF2B5EF4-FFF2-40B4-BE49-F238E27FC236}">
-                <a16:creationId xmlns:a16="http://schemas.microsoft.com/office/drawing/2014/main" id="{78B92039-3FFF-BA40-A23F-CDAEFE19A6C8}"/>
+                <a16:creationId xmlns:a16="http://schemas.microsoft.com/office/drawing/2014/main" xmlns="" id="{78B92039-3FFF-BA40-A23F-CDAEFE19A6C8}"/>
               </a:ext>
             </a:extLst>
           </p:cNvPr>
@@ -3276,7 +3276,7 @@
           <p:cNvPr id="2" name="Title Placeholder 1">
             <a:extLst>
               <a:ext uri="{FF2B5EF4-FFF2-40B4-BE49-F238E27FC236}">
-                <a16:creationId xmlns:a16="http://schemas.microsoft.com/office/drawing/2014/main" id="{5B7F30A8-D3E5-E947-B96F-6954FACB60B2}"/>
+                <a16:creationId xmlns:a16="http://schemas.microsoft.com/office/drawing/2014/main" xmlns="" id="{5B7F30A8-D3E5-E947-B96F-6954FACB60B2}"/>
               </a:ext>
             </a:extLst>
           </p:cNvPr>
@@ -3314,7 +3314,7 @@
           <p:cNvPr id="3" name="Text Placeholder 2">
             <a:extLst>
               <a:ext uri="{FF2B5EF4-FFF2-40B4-BE49-F238E27FC236}">
-                <a16:creationId xmlns:a16="http://schemas.microsoft.com/office/drawing/2014/main" id="{AFBAE98E-56F9-1C42-8278-08AB73E9E693}"/>
+                <a16:creationId xmlns:a16="http://schemas.microsoft.com/office/drawing/2014/main" xmlns="" id="{AFBAE98E-56F9-1C42-8278-08AB73E9E693}"/>
               </a:ext>
             </a:extLst>
           </p:cNvPr>
@@ -3381,7 +3381,7 @@
           <p:cNvPr id="4" name="Date Placeholder 3">
             <a:extLst>
               <a:ext uri="{FF2B5EF4-FFF2-40B4-BE49-F238E27FC236}">
-                <a16:creationId xmlns:a16="http://schemas.microsoft.com/office/drawing/2014/main" id="{A4CA9C0B-44DB-5849-8D90-B083A62FC369}"/>
+                <a16:creationId xmlns:a16="http://schemas.microsoft.com/office/drawing/2014/main" xmlns="" id="{A4CA9C0B-44DB-5849-8D90-B083A62FC369}"/>
               </a:ext>
             </a:extLst>
           </p:cNvPr>
@@ -3417,7 +3417,7 @@
           <a:p>
             <a:fld id="{CFCCFAD6-BE47-41F9-84D3-C3FCA417B5A3}" type="datetime1">
               <a:rPr lang="en-US" smtClean="0"/>
-              <a:t>6/27/2020</a:t>
+              <a:t>6/28/2020</a:t>
             </a:fld>
             <a:endParaRPr lang="en-US"/>
           </a:p>
@@ -3428,7 +3428,7 @@
           <p:cNvPr id="5" name="Footer Placeholder 4">
             <a:extLst>
               <a:ext uri="{FF2B5EF4-FFF2-40B4-BE49-F238E27FC236}">
-                <a16:creationId xmlns:a16="http://schemas.microsoft.com/office/drawing/2014/main" id="{6E101832-DA85-DD40-9895-A2F034DBC70B}"/>
+                <a16:creationId xmlns:a16="http://schemas.microsoft.com/office/drawing/2014/main" xmlns="" id="{6E101832-DA85-DD40-9895-A2F034DBC70B}"/>
               </a:ext>
             </a:extLst>
           </p:cNvPr>
@@ -3471,7 +3471,7 @@
           <p:cNvPr id="6" name="Slide Number Placeholder 5">
             <a:extLst>
               <a:ext uri="{FF2B5EF4-FFF2-40B4-BE49-F238E27FC236}">
-                <a16:creationId xmlns:a16="http://schemas.microsoft.com/office/drawing/2014/main" id="{58D44A42-6E0A-8B41-B7B5-179A3C6441CF}"/>
+                <a16:creationId xmlns:a16="http://schemas.microsoft.com/office/drawing/2014/main" xmlns="" id="{58D44A42-6E0A-8B41-B7B5-179A3C6441CF}"/>
               </a:ext>
             </a:extLst>
           </p:cNvPr>
@@ -3841,7 +3841,7 @@
           <p:cNvPr id="11" name="Rectangle 10">
             <a:extLst>
               <a:ext uri="{FF2B5EF4-FFF2-40B4-BE49-F238E27FC236}">
-                <a16:creationId xmlns:a16="http://schemas.microsoft.com/office/drawing/2014/main" id="{4A9B30EE-1A4C-E445-86F5-13ECF8570FBD}"/>
+                <a16:creationId xmlns:a16="http://schemas.microsoft.com/office/drawing/2014/main" xmlns="" id="{4A9B30EE-1A4C-E445-86F5-13ECF8570FBD}"/>
               </a:ext>
             </a:extLst>
           </p:cNvPr>
@@ -3897,7 +3897,7 @@
           <p:cNvPr id="12" name="Group 11">
             <a:extLst>
               <a:ext uri="{FF2B5EF4-FFF2-40B4-BE49-F238E27FC236}">
-                <a16:creationId xmlns:a16="http://schemas.microsoft.com/office/drawing/2014/main" id="{FF25763A-69AB-E14F-880F-BA72E0EE0BC7}"/>
+                <a16:creationId xmlns:a16="http://schemas.microsoft.com/office/drawing/2014/main" xmlns="" id="{FF25763A-69AB-E14F-880F-BA72E0EE0BC7}"/>
               </a:ext>
             </a:extLst>
           </p:cNvPr>
@@ -3920,7 +3920,7 @@
             <p:cNvPr id="13" name="Rectangle 12">
               <a:extLst>
                 <a:ext uri="{FF2B5EF4-FFF2-40B4-BE49-F238E27FC236}">
-                  <a16:creationId xmlns:a16="http://schemas.microsoft.com/office/drawing/2014/main" id="{FC450E36-F658-E743-BC45-5818EB87F78A}"/>
+                  <a16:creationId xmlns:a16="http://schemas.microsoft.com/office/drawing/2014/main" xmlns="" id="{FC450E36-F658-E743-BC45-5818EB87F78A}"/>
                 </a:ext>
               </a:extLst>
             </p:cNvPr>
@@ -3976,7 +3976,7 @@
             <p:cNvPr id="14" name="Right Triangle 13">
               <a:extLst>
                 <a:ext uri="{FF2B5EF4-FFF2-40B4-BE49-F238E27FC236}">
-                  <a16:creationId xmlns:a16="http://schemas.microsoft.com/office/drawing/2014/main" id="{D3614C62-EC71-924D-BD63-D757CD0B40CB}"/>
+                  <a16:creationId xmlns:a16="http://schemas.microsoft.com/office/drawing/2014/main" xmlns="" id="{D3614C62-EC71-924D-BD63-D757CD0B40CB}"/>
                 </a:ext>
               </a:extLst>
             </p:cNvPr>
@@ -4033,7 +4033,7 @@
           <p:cNvPr id="15" name="Group 14">
             <a:extLst>
               <a:ext uri="{FF2B5EF4-FFF2-40B4-BE49-F238E27FC236}">
-                <a16:creationId xmlns:a16="http://schemas.microsoft.com/office/drawing/2014/main" id="{48FB937B-C955-034B-A22C-71ECD1F1D428}"/>
+                <a16:creationId xmlns:a16="http://schemas.microsoft.com/office/drawing/2014/main" xmlns="" id="{48FB937B-C955-034B-A22C-71ECD1F1D428}"/>
               </a:ext>
             </a:extLst>
           </p:cNvPr>
@@ -4056,7 +4056,7 @@
             <p:cNvPr id="16" name="Rectangle 15">
               <a:extLst>
                 <a:ext uri="{FF2B5EF4-FFF2-40B4-BE49-F238E27FC236}">
-                  <a16:creationId xmlns:a16="http://schemas.microsoft.com/office/drawing/2014/main" id="{8D082FA1-D8CB-4445-A1E8-7B2055D6CFA6}"/>
+                  <a16:creationId xmlns:a16="http://schemas.microsoft.com/office/drawing/2014/main" xmlns="" id="{8D082FA1-D8CB-4445-A1E8-7B2055D6CFA6}"/>
                 </a:ext>
               </a:extLst>
             </p:cNvPr>
@@ -4112,7 +4112,7 @@
             <p:cNvPr id="17" name="Rectangle 16">
               <a:extLst>
                 <a:ext uri="{FF2B5EF4-FFF2-40B4-BE49-F238E27FC236}">
-                  <a16:creationId xmlns:a16="http://schemas.microsoft.com/office/drawing/2014/main" id="{B5B6080A-66DF-7048-BFE7-F15618985AE1}"/>
+                  <a16:creationId xmlns:a16="http://schemas.microsoft.com/office/drawing/2014/main" xmlns="" id="{B5B6080A-66DF-7048-BFE7-F15618985AE1}"/>
                 </a:ext>
               </a:extLst>
             </p:cNvPr>
@@ -4168,7 +4168,7 @@
             <p:cNvPr id="18" name="Right Triangle 17">
               <a:extLst>
                 <a:ext uri="{FF2B5EF4-FFF2-40B4-BE49-F238E27FC236}">
-                  <a16:creationId xmlns:a16="http://schemas.microsoft.com/office/drawing/2014/main" id="{970D9A27-5266-3B4D-8A56-646B968C9AA4}"/>
+                  <a16:creationId xmlns:a16="http://schemas.microsoft.com/office/drawing/2014/main" xmlns="" id="{970D9A27-5266-3B4D-8A56-646B968C9AA4}"/>
                 </a:ext>
               </a:extLst>
             </p:cNvPr>
@@ -4225,7 +4225,7 @@
           <p:cNvPr id="19" name="Rectangle 18">
             <a:extLst>
               <a:ext uri="{FF2B5EF4-FFF2-40B4-BE49-F238E27FC236}">
-                <a16:creationId xmlns:a16="http://schemas.microsoft.com/office/drawing/2014/main" id="{F2BC0244-0866-DF4A-974E-BE287FE9F5F8}"/>
+                <a16:creationId xmlns:a16="http://schemas.microsoft.com/office/drawing/2014/main" xmlns="" id="{F2BC0244-0866-DF4A-974E-BE287FE9F5F8}"/>
               </a:ext>
             </a:extLst>
           </p:cNvPr>
@@ -4282,7 +4282,7 @@
           <p:cNvPr id="20" name="TextBox 19">
             <a:extLst>
               <a:ext uri="{FF2B5EF4-FFF2-40B4-BE49-F238E27FC236}">
-                <a16:creationId xmlns:a16="http://schemas.microsoft.com/office/drawing/2014/main" id="{0CC5C58A-4780-EE4A-87DE-0DCB7E4A07E1}"/>
+                <a16:creationId xmlns:a16="http://schemas.microsoft.com/office/drawing/2014/main" xmlns="" id="{0CC5C58A-4780-EE4A-87DE-0DCB7E4A07E1}"/>
               </a:ext>
             </a:extLst>
           </p:cNvPr>
@@ -4340,7 +4340,7 @@
           <p:cNvPr id="24" name="TextBox 23">
             <a:extLst>
               <a:ext uri="{FF2B5EF4-FFF2-40B4-BE49-F238E27FC236}">
-                <a16:creationId xmlns:a16="http://schemas.microsoft.com/office/drawing/2014/main" id="{0394A840-0235-A34B-89FB-3E0C164B13DD}"/>
+                <a16:creationId xmlns:a16="http://schemas.microsoft.com/office/drawing/2014/main" xmlns="" id="{0394A840-0235-A34B-89FB-3E0C164B13DD}"/>
               </a:ext>
             </a:extLst>
           </p:cNvPr>
@@ -4441,7 +4441,7 @@
           <p:cNvPr id="25" name="TextBox 24">
             <a:extLst>
               <a:ext uri="{FF2B5EF4-FFF2-40B4-BE49-F238E27FC236}">
-                <a16:creationId xmlns:a16="http://schemas.microsoft.com/office/drawing/2014/main" id="{2705B747-C142-9E47-8095-1F5CC25CA76A}"/>
+                <a16:creationId xmlns:a16="http://schemas.microsoft.com/office/drawing/2014/main" xmlns="" id="{2705B747-C142-9E47-8095-1F5CC25CA76A}"/>
               </a:ext>
             </a:extLst>
           </p:cNvPr>
@@ -4511,7 +4511,7 @@
           <p:cNvPr id="26" name="TextBox 25">
             <a:extLst>
               <a:ext uri="{FF2B5EF4-FFF2-40B4-BE49-F238E27FC236}">
-                <a16:creationId xmlns:a16="http://schemas.microsoft.com/office/drawing/2014/main" id="{BC5BF99D-9038-FA47-9DDD-EF327AE273FB}"/>
+                <a16:creationId xmlns:a16="http://schemas.microsoft.com/office/drawing/2014/main" xmlns="" id="{BC5BF99D-9038-FA47-9DDD-EF327AE273FB}"/>
               </a:ext>
             </a:extLst>
           </p:cNvPr>
@@ -4659,7 +4659,7 @@
           <p:cNvPr id="27" name="TextBox 26">
             <a:extLst>
               <a:ext uri="{FF2B5EF4-FFF2-40B4-BE49-F238E27FC236}">
-                <a16:creationId xmlns:a16="http://schemas.microsoft.com/office/drawing/2014/main" id="{A80133F4-3811-BD49-AC53-7566D4AA6DBC}"/>
+                <a16:creationId xmlns:a16="http://schemas.microsoft.com/office/drawing/2014/main" xmlns="" id="{A80133F4-3811-BD49-AC53-7566D4AA6DBC}"/>
               </a:ext>
             </a:extLst>
           </p:cNvPr>
@@ -4700,7 +4700,7 @@
           <p:cNvPr id="43" name="Slide Number Placeholder 55">
             <a:extLst>
               <a:ext uri="{FF2B5EF4-FFF2-40B4-BE49-F238E27FC236}">
-                <a16:creationId xmlns:a16="http://schemas.microsoft.com/office/drawing/2014/main" id="{E6F6B5A0-7FF8-8C46-A710-C817A4181F56}"/>
+                <a16:creationId xmlns:a16="http://schemas.microsoft.com/office/drawing/2014/main" xmlns="" id="{E6F6B5A0-7FF8-8C46-A710-C817A4181F56}"/>
               </a:ext>
             </a:extLst>
           </p:cNvPr>
@@ -4914,7 +4914,7 @@
           <p:cNvPr id="28" name="Picture 27">
             <a:extLst>
               <a:ext uri="{FF2B5EF4-FFF2-40B4-BE49-F238E27FC236}">
-                <a16:creationId xmlns:a16="http://schemas.microsoft.com/office/drawing/2014/main" id="{FA4C1E5B-91B9-304C-B59D-766412A26560}"/>
+                <a16:creationId xmlns:a16="http://schemas.microsoft.com/office/drawing/2014/main" xmlns="" id="{FA4C1E5B-91B9-304C-B59D-766412A26560}"/>
               </a:ext>
             </a:extLst>
           </p:cNvPr>
@@ -4948,7 +4948,7 @@
           <p:cNvPr id="3" name="Rectangle 2">
             <a:extLst>
               <a:ext uri="{FF2B5EF4-FFF2-40B4-BE49-F238E27FC236}">
-                <a16:creationId xmlns:a16="http://schemas.microsoft.com/office/drawing/2014/main" id="{4538A64E-0A94-4175-92D9-86174A00F9EB}"/>
+                <a16:creationId xmlns:a16="http://schemas.microsoft.com/office/drawing/2014/main" xmlns="" id="{4538A64E-0A94-4175-92D9-86174A00F9EB}"/>
               </a:ext>
             </a:extLst>
           </p:cNvPr>
@@ -5058,7 +5058,7 @@
           <p:cNvPr id="1028" name="Picture 4" descr="Hướng dẫn học Django — Phần II: Models, API và Admin">
             <a:extLst>
               <a:ext uri="{FF2B5EF4-FFF2-40B4-BE49-F238E27FC236}">
-                <a16:creationId xmlns:a16="http://schemas.microsoft.com/office/drawing/2014/main" id="{81389045-92CE-4918-BE8D-2BFBEB282418}"/>
+                <a16:creationId xmlns:a16="http://schemas.microsoft.com/office/drawing/2014/main" xmlns="" id="{81389045-92CE-4918-BE8D-2BFBEB282418}"/>
               </a:ext>
             </a:extLst>
           </p:cNvPr>
@@ -5098,6 +5098,82 @@
               </a14:hiddenFill>
             </a:ext>
           </a:extLst>
+        </p:spPr>
+      </p:pic>
+      <p:pic>
+        <p:nvPicPr>
+          <p:cNvPr id="22" name="Picture 21">
+            <a:extLst>
+              <a:ext uri="{FF2B5EF4-FFF2-40B4-BE49-F238E27FC236}">
+                <a16:creationId xmlns:a16="http://schemas.microsoft.com/office/drawing/2014/main" xmlns="" id="{116DDA5F-9528-4228-87F5-6165B9C866DD}"/>
+              </a:ext>
+            </a:extLst>
+          </p:cNvPr>
+          <p:cNvPicPr/>
+          <p:nvPr/>
+        </p:nvPicPr>
+        <p:blipFill>
+          <a:blip r:embed="rId4">
+            <a:extLst>
+              <a:ext uri="{28A0092B-C50C-407E-A947-70E740481C1C}">
+                <a14:useLocalDpi xmlns:a14="http://schemas.microsoft.com/office/drawing/2010/main" val="0"/>
+              </a:ext>
+            </a:extLst>
+          </a:blip>
+          <a:stretch>
+            <a:fillRect/>
+          </a:stretch>
+        </p:blipFill>
+        <p:spPr>
+          <a:xfrm>
+            <a:off x="9387354" y="3007407"/>
+            <a:ext cx="2654363" cy="1412865"/>
+          </a:xfrm>
+          <a:prstGeom prst="rect">
+            <a:avLst/>
+          </a:prstGeom>
+          <a:ln>
+            <a:noFill/>
+          </a:ln>
+          <a:effectLst>
+            <a:softEdge rad="112500"/>
+          </a:effectLst>
+        </p:spPr>
+      </p:pic>
+      <p:pic>
+        <p:nvPicPr>
+          <p:cNvPr id="5" name="Picture 4"/>
+          <p:cNvPicPr>
+            <a:picLocks noChangeAspect="1"/>
+          </p:cNvPicPr>
+          <p:nvPr/>
+        </p:nvPicPr>
+        <p:blipFill>
+          <a:blip r:embed="rId5">
+            <a:extLst>
+              <a:ext uri="{28A0092B-C50C-407E-A947-70E740481C1C}">
+                <a14:useLocalDpi xmlns:a14="http://schemas.microsoft.com/office/drawing/2010/main" val="0"/>
+              </a:ext>
+            </a:extLst>
+          </a:blip>
+          <a:stretch>
+            <a:fillRect/>
+          </a:stretch>
+        </p:blipFill>
+        <p:spPr>
+          <a:xfrm>
+            <a:off x="7081870" y="3860534"/>
+            <a:ext cx="3231991" cy="2159558"/>
+          </a:xfrm>
+          <a:prstGeom prst="rect">
+            <a:avLst/>
+          </a:prstGeom>
+          <a:ln>
+            <a:noFill/>
+          </a:ln>
+          <a:effectLst>
+            <a:softEdge rad="112500"/>
+          </a:effectLst>
         </p:spPr>
       </p:pic>
     </p:spTree>
@@ -5138,7 +5214,7 @@
           <p:cNvPr id="14" name="그림 1">
             <a:extLst>
               <a:ext uri="{FF2B5EF4-FFF2-40B4-BE49-F238E27FC236}">
-                <a16:creationId xmlns:a16="http://schemas.microsoft.com/office/drawing/2014/main" id="{DEF08578-26D6-4340-9DF1-23D8CDD6F4A8}"/>
+                <a16:creationId xmlns:a16="http://schemas.microsoft.com/office/drawing/2014/main" xmlns="" id="{DEF08578-26D6-4340-9DF1-23D8CDD6F4A8}"/>
               </a:ext>
             </a:extLst>
           </p:cNvPr>
@@ -5174,7 +5250,7 @@
           <p:cNvPr id="17" name="Rectangle 16">
             <a:extLst>
               <a:ext uri="{FF2B5EF4-FFF2-40B4-BE49-F238E27FC236}">
-                <a16:creationId xmlns:a16="http://schemas.microsoft.com/office/drawing/2014/main" id="{3AB3380D-C417-4989-95C6-9D4B52D07612}"/>
+                <a16:creationId xmlns:a16="http://schemas.microsoft.com/office/drawing/2014/main" xmlns="" id="{3AB3380D-C417-4989-95C6-9D4B52D07612}"/>
               </a:ext>
             </a:extLst>
           </p:cNvPr>
@@ -5231,7 +5307,7 @@
           <p:cNvPr id="5" name="Rectangle 4">
             <a:extLst>
               <a:ext uri="{FF2B5EF4-FFF2-40B4-BE49-F238E27FC236}">
-                <a16:creationId xmlns:a16="http://schemas.microsoft.com/office/drawing/2014/main" id="{22EB8698-066F-854C-BF05-4B2AC5B8EDF3}"/>
+                <a16:creationId xmlns:a16="http://schemas.microsoft.com/office/drawing/2014/main" xmlns="" id="{22EB8698-066F-854C-BF05-4B2AC5B8EDF3}"/>
               </a:ext>
             </a:extLst>
           </p:cNvPr>
@@ -5287,7 +5363,7 @@
           <p:cNvPr id="6" name="Rectangle 5">
             <a:extLst>
               <a:ext uri="{FF2B5EF4-FFF2-40B4-BE49-F238E27FC236}">
-                <a16:creationId xmlns:a16="http://schemas.microsoft.com/office/drawing/2014/main" id="{C77927C6-2DD0-1844-8211-BB074A28D6E9}"/>
+                <a16:creationId xmlns:a16="http://schemas.microsoft.com/office/drawing/2014/main" xmlns="" id="{C77927C6-2DD0-1844-8211-BB074A28D6E9}"/>
               </a:ext>
             </a:extLst>
           </p:cNvPr>
@@ -5343,7 +5419,7 @@
           <p:cNvPr id="7" name="Right Triangle 6">
             <a:extLst>
               <a:ext uri="{FF2B5EF4-FFF2-40B4-BE49-F238E27FC236}">
-                <a16:creationId xmlns:a16="http://schemas.microsoft.com/office/drawing/2014/main" id="{F90D0A9E-EAB1-5249-ABE0-8B36F85A6C83}"/>
+                <a16:creationId xmlns:a16="http://schemas.microsoft.com/office/drawing/2014/main" xmlns="" id="{F90D0A9E-EAB1-5249-ABE0-8B36F85A6C83}"/>
               </a:ext>
             </a:extLst>
           </p:cNvPr>
@@ -5399,7 +5475,7 @@
           <p:cNvPr id="15" name="Oval 10">
             <a:extLst>
               <a:ext uri="{FF2B5EF4-FFF2-40B4-BE49-F238E27FC236}">
-                <a16:creationId xmlns:a16="http://schemas.microsoft.com/office/drawing/2014/main" id="{3C980F75-EDA6-4575-A839-D7967227E16D}"/>
+                <a16:creationId xmlns:a16="http://schemas.microsoft.com/office/drawing/2014/main" xmlns="" id="{3C980F75-EDA6-4575-A839-D7967227E16D}"/>
               </a:ext>
             </a:extLst>
           </p:cNvPr>
@@ -5453,7 +5529,7 @@
           <p:cNvPr id="12" name="Slide Number Placeholder 55">
             <a:extLst>
               <a:ext uri="{FF2B5EF4-FFF2-40B4-BE49-F238E27FC236}">
-                <a16:creationId xmlns:a16="http://schemas.microsoft.com/office/drawing/2014/main" id="{BA798CB8-1F83-044D-814E-1E71B303BFAF}"/>
+                <a16:creationId xmlns:a16="http://schemas.microsoft.com/office/drawing/2014/main" xmlns="" id="{BA798CB8-1F83-044D-814E-1E71B303BFAF}"/>
               </a:ext>
             </a:extLst>
           </p:cNvPr>
@@ -5661,7 +5737,7 @@
           <p:cNvPr id="16" name="TextBox 15">
             <a:extLst>
               <a:ext uri="{FF2B5EF4-FFF2-40B4-BE49-F238E27FC236}">
-                <a16:creationId xmlns:a16="http://schemas.microsoft.com/office/drawing/2014/main" id="{E0D09B75-E2C6-4D04-8D3E-218F92990565}"/>
+                <a16:creationId xmlns:a16="http://schemas.microsoft.com/office/drawing/2014/main" xmlns="" id="{E0D09B75-E2C6-4D04-8D3E-218F92990565}"/>
               </a:ext>
             </a:extLst>
           </p:cNvPr>
@@ -5720,7 +5796,7 @@
           <p:cNvPr id="2" name="TextBox 1">
             <a:extLst>
               <a:ext uri="{FF2B5EF4-FFF2-40B4-BE49-F238E27FC236}">
-                <a16:creationId xmlns:a16="http://schemas.microsoft.com/office/drawing/2014/main" id="{AA232A35-191F-4ED4-A741-8E1F9E134B33}"/>
+                <a16:creationId xmlns:a16="http://schemas.microsoft.com/office/drawing/2014/main" xmlns="" id="{AA232A35-191F-4ED4-A741-8E1F9E134B33}"/>
               </a:ext>
             </a:extLst>
           </p:cNvPr>
@@ -5818,7 +5894,7 @@
           <p:cNvPr id="11" name="Picture 10">
             <a:extLst>
               <a:ext uri="{FF2B5EF4-FFF2-40B4-BE49-F238E27FC236}">
-                <a16:creationId xmlns:a16="http://schemas.microsoft.com/office/drawing/2014/main" id="{116DDA5F-9528-4228-87F5-6165B9C866DD}"/>
+                <a16:creationId xmlns:a16="http://schemas.microsoft.com/office/drawing/2014/main" xmlns="" id="{116DDA5F-9528-4228-87F5-6165B9C866DD}"/>
               </a:ext>
             </a:extLst>
           </p:cNvPr>
@@ -5931,7 +6007,7 @@
           <p:cNvPr id="13" name="Rectangle 12">
             <a:extLst>
               <a:ext uri="{FF2B5EF4-FFF2-40B4-BE49-F238E27FC236}">
-                <a16:creationId xmlns:a16="http://schemas.microsoft.com/office/drawing/2014/main" id="{2D94A758-4D2F-490D-A9DC-250165FAFCD4}"/>
+                <a16:creationId xmlns:a16="http://schemas.microsoft.com/office/drawing/2014/main" xmlns="" id="{2D94A758-4D2F-490D-A9DC-250165FAFCD4}"/>
               </a:ext>
             </a:extLst>
           </p:cNvPr>
@@ -5987,7 +6063,7 @@
           <p:cNvPr id="14" name="Rectangle 13">
             <a:extLst>
               <a:ext uri="{FF2B5EF4-FFF2-40B4-BE49-F238E27FC236}">
-                <a16:creationId xmlns:a16="http://schemas.microsoft.com/office/drawing/2014/main" id="{EF3DF402-07B2-406A-B19B-629581AAEAEF}"/>
+                <a16:creationId xmlns:a16="http://schemas.microsoft.com/office/drawing/2014/main" xmlns="" id="{EF3DF402-07B2-406A-B19B-629581AAEAEF}"/>
               </a:ext>
             </a:extLst>
           </p:cNvPr>
@@ -6043,7 +6119,7 @@
           <p:cNvPr id="15" name="Right Triangle 14">
             <a:extLst>
               <a:ext uri="{FF2B5EF4-FFF2-40B4-BE49-F238E27FC236}">
-                <a16:creationId xmlns:a16="http://schemas.microsoft.com/office/drawing/2014/main" id="{EA4E12F5-67BD-4B82-86D3-5E61CFBDA799}"/>
+                <a16:creationId xmlns:a16="http://schemas.microsoft.com/office/drawing/2014/main" xmlns="" id="{EA4E12F5-67BD-4B82-86D3-5E61CFBDA799}"/>
               </a:ext>
             </a:extLst>
           </p:cNvPr>
@@ -6099,7 +6175,7 @@
           <p:cNvPr id="20" name="Picture 19">
             <a:extLst>
               <a:ext uri="{FF2B5EF4-FFF2-40B4-BE49-F238E27FC236}">
-                <a16:creationId xmlns:a16="http://schemas.microsoft.com/office/drawing/2014/main" id="{3751DB21-51FB-4AAF-A105-4AD95F9EF600}"/>
+                <a16:creationId xmlns:a16="http://schemas.microsoft.com/office/drawing/2014/main" xmlns="" id="{3751DB21-51FB-4AAF-A105-4AD95F9EF600}"/>
               </a:ext>
             </a:extLst>
           </p:cNvPr>
@@ -6133,7 +6209,7 @@
           <p:cNvPr id="2" name="Rectangle 1">
             <a:extLst>
               <a:ext uri="{FF2B5EF4-FFF2-40B4-BE49-F238E27FC236}">
-                <a16:creationId xmlns:a16="http://schemas.microsoft.com/office/drawing/2014/main" id="{514E0770-4BCA-0747-AAAB-3CDBD08C7B2C}"/>
+                <a16:creationId xmlns:a16="http://schemas.microsoft.com/office/drawing/2014/main" xmlns="" id="{514E0770-4BCA-0747-AAAB-3CDBD08C7B2C}"/>
               </a:ext>
             </a:extLst>
           </p:cNvPr>
@@ -6172,7 +6248,7 @@
           <p:cNvPr id="26" name="Rectangle 25">
             <a:extLst>
               <a:ext uri="{FF2B5EF4-FFF2-40B4-BE49-F238E27FC236}">
-                <a16:creationId xmlns:a16="http://schemas.microsoft.com/office/drawing/2014/main" id="{A6589B10-6768-BD41-9741-EF445C18D3E7}"/>
+                <a16:creationId xmlns:a16="http://schemas.microsoft.com/office/drawing/2014/main" xmlns="" id="{A6589B10-6768-BD41-9741-EF445C18D3E7}"/>
               </a:ext>
             </a:extLst>
           </p:cNvPr>
@@ -6230,7 +6306,7 @@
           <p:cNvPr id="27" name="Rectangle 26">
             <a:extLst>
               <a:ext uri="{FF2B5EF4-FFF2-40B4-BE49-F238E27FC236}">
-                <a16:creationId xmlns:a16="http://schemas.microsoft.com/office/drawing/2014/main" id="{FCA0C6B8-5FD4-A441-A333-9ED1DCCBAF08}"/>
+                <a16:creationId xmlns:a16="http://schemas.microsoft.com/office/drawing/2014/main" xmlns="" id="{FCA0C6B8-5FD4-A441-A333-9ED1DCCBAF08}"/>
               </a:ext>
             </a:extLst>
           </p:cNvPr>
@@ -6286,7 +6362,7 @@
           <p:cNvPr id="28" name="Right Triangle 27">
             <a:extLst>
               <a:ext uri="{FF2B5EF4-FFF2-40B4-BE49-F238E27FC236}">
-                <a16:creationId xmlns:a16="http://schemas.microsoft.com/office/drawing/2014/main" id="{6873FB38-0630-C84F-854A-885EDCA44CC4}"/>
+                <a16:creationId xmlns:a16="http://schemas.microsoft.com/office/drawing/2014/main" xmlns="" id="{6873FB38-0630-C84F-854A-885EDCA44CC4}"/>
               </a:ext>
             </a:extLst>
           </p:cNvPr>
@@ -6342,7 +6418,7 @@
           <p:cNvPr id="29" name="Rectangle 28">
             <a:extLst>
               <a:ext uri="{FF2B5EF4-FFF2-40B4-BE49-F238E27FC236}">
-                <a16:creationId xmlns:a16="http://schemas.microsoft.com/office/drawing/2014/main" id="{EE52D339-60AD-7749-92AB-653335B9F304}"/>
+                <a16:creationId xmlns:a16="http://schemas.microsoft.com/office/drawing/2014/main" xmlns="" id="{EE52D339-60AD-7749-92AB-653335B9F304}"/>
               </a:ext>
             </a:extLst>
           </p:cNvPr>
@@ -6399,7 +6475,7 @@
           <p:cNvPr id="30" name="Slide Number Placeholder 55">
             <a:extLst>
               <a:ext uri="{FF2B5EF4-FFF2-40B4-BE49-F238E27FC236}">
-                <a16:creationId xmlns:a16="http://schemas.microsoft.com/office/drawing/2014/main" id="{DB4029B6-2A6F-6D49-A819-67A5E5F2A126}"/>
+                <a16:creationId xmlns:a16="http://schemas.microsoft.com/office/drawing/2014/main" xmlns="" id="{DB4029B6-2A6F-6D49-A819-67A5E5F2A126}"/>
               </a:ext>
             </a:extLst>
           </p:cNvPr>
@@ -6613,7 +6689,7 @@
           <p:cNvPr id="31" name="Rectangle 30">
             <a:extLst>
               <a:ext uri="{FF2B5EF4-FFF2-40B4-BE49-F238E27FC236}">
-                <a16:creationId xmlns:a16="http://schemas.microsoft.com/office/drawing/2014/main" id="{CD5AF62A-B7B6-440A-A2B5-32C0C985D76A}"/>
+                <a16:creationId xmlns:a16="http://schemas.microsoft.com/office/drawing/2014/main" xmlns="" id="{CD5AF62A-B7B6-440A-A2B5-32C0C985D76A}"/>
               </a:ext>
             </a:extLst>
           </p:cNvPr>
@@ -7281,7 +7357,7 @@
           <p:cNvPr id="32" name="Picture 31">
             <a:extLst>
               <a:ext uri="{FF2B5EF4-FFF2-40B4-BE49-F238E27FC236}">
-                <a16:creationId xmlns:a16="http://schemas.microsoft.com/office/drawing/2014/main" id="{1A38A4AD-DBFC-448F-BCDD-DE9471216256}"/>
+                <a16:creationId xmlns:a16="http://schemas.microsoft.com/office/drawing/2014/main" xmlns="" id="{1A38A4AD-DBFC-448F-BCDD-DE9471216256}"/>
               </a:ext>
             </a:extLst>
           </p:cNvPr>
@@ -7322,13 +7398,13 @@
   <p:clrMapOvr>
     <a:masterClrMapping/>
   </p:clrMapOvr>
-  <mc:AlternateContent xmlns:mc="http://schemas.openxmlformats.org/markup-compatibility/2006" xmlns:p15="http://schemas.microsoft.com/office/powerpoint/2012/main">
-    <mc:Choice Requires="p15">
+  <mc:AlternateContent xmlns:mc="http://schemas.openxmlformats.org/markup-compatibility/2006">
+    <mc:Choice xmlns:p15="http://schemas.microsoft.com/office/powerpoint/2012/main" xmlns="" Requires="p15">
       <p:transition xmlns:p14="http://schemas.microsoft.com/office/powerpoint/2010/main" spd="slow" p14:dur="2000">
         <p15:prstTrans prst="curtains"/>
       </p:transition>
     </mc:Choice>
-    <mc:Fallback xmlns="">
+    <mc:Fallback>
       <p:transition spd="slow">
         <p:fade/>
       </p:transition>
@@ -7798,7 +7874,7 @@
           <p:cNvPr id="43" name="Rectangle 42">
             <a:extLst>
               <a:ext uri="{FF2B5EF4-FFF2-40B4-BE49-F238E27FC236}">
-                <a16:creationId xmlns:a16="http://schemas.microsoft.com/office/drawing/2014/main" id="{0CDB58AC-05F1-504C-866F-5FFB9B549A73}"/>
+                <a16:creationId xmlns:a16="http://schemas.microsoft.com/office/drawing/2014/main" xmlns="" id="{0CDB58AC-05F1-504C-866F-5FFB9B549A73}"/>
               </a:ext>
             </a:extLst>
           </p:cNvPr>
@@ -7854,7 +7930,7 @@
           <p:cNvPr id="44" name="Rectangle 43">
             <a:extLst>
               <a:ext uri="{FF2B5EF4-FFF2-40B4-BE49-F238E27FC236}">
-                <a16:creationId xmlns:a16="http://schemas.microsoft.com/office/drawing/2014/main" id="{B10E9E66-6039-1145-9F62-11B9C1655CB5}"/>
+                <a16:creationId xmlns:a16="http://schemas.microsoft.com/office/drawing/2014/main" xmlns="" id="{B10E9E66-6039-1145-9F62-11B9C1655CB5}"/>
               </a:ext>
             </a:extLst>
           </p:cNvPr>
@@ -7910,7 +7986,7 @@
           <p:cNvPr id="45" name="Right Triangle 44">
             <a:extLst>
               <a:ext uri="{FF2B5EF4-FFF2-40B4-BE49-F238E27FC236}">
-                <a16:creationId xmlns:a16="http://schemas.microsoft.com/office/drawing/2014/main" id="{621B0583-BED1-1046-AB54-AAB1E3E9FB1F}"/>
+                <a16:creationId xmlns:a16="http://schemas.microsoft.com/office/drawing/2014/main" xmlns="" id="{621B0583-BED1-1046-AB54-AAB1E3E9FB1F}"/>
               </a:ext>
             </a:extLst>
           </p:cNvPr>
@@ -7966,7 +8042,7 @@
           <p:cNvPr id="46" name="Rectangle 45">
             <a:extLst>
               <a:ext uri="{FF2B5EF4-FFF2-40B4-BE49-F238E27FC236}">
-                <a16:creationId xmlns:a16="http://schemas.microsoft.com/office/drawing/2014/main" id="{811D62FF-9CE7-C549-A9C4-FB9CDADE2B9A}"/>
+                <a16:creationId xmlns:a16="http://schemas.microsoft.com/office/drawing/2014/main" xmlns="" id="{811D62FF-9CE7-C549-A9C4-FB9CDADE2B9A}"/>
               </a:ext>
             </a:extLst>
           </p:cNvPr>
@@ -8022,7 +8098,7 @@
           <p:cNvPr id="47" name="Rectangle 46">
             <a:extLst>
               <a:ext uri="{FF2B5EF4-FFF2-40B4-BE49-F238E27FC236}">
-                <a16:creationId xmlns:a16="http://schemas.microsoft.com/office/drawing/2014/main" id="{E8DC071E-1061-4B4F-8871-A320723553AF}"/>
+                <a16:creationId xmlns:a16="http://schemas.microsoft.com/office/drawing/2014/main" xmlns="" id="{E8DC071E-1061-4B4F-8871-A320723553AF}"/>
               </a:ext>
             </a:extLst>
           </p:cNvPr>
@@ -8078,7 +8154,7 @@
           <p:cNvPr id="48" name="Right Triangle 47">
             <a:extLst>
               <a:ext uri="{FF2B5EF4-FFF2-40B4-BE49-F238E27FC236}">
-                <a16:creationId xmlns:a16="http://schemas.microsoft.com/office/drawing/2014/main" id="{1AA98EF7-7BB7-FA4F-BB4F-4F48476CA49C}"/>
+                <a16:creationId xmlns:a16="http://schemas.microsoft.com/office/drawing/2014/main" xmlns="" id="{1AA98EF7-7BB7-FA4F-BB4F-4F48476CA49C}"/>
               </a:ext>
             </a:extLst>
           </p:cNvPr>
@@ -8134,7 +8210,7 @@
           <p:cNvPr id="49" name="Rectangle 48">
             <a:extLst>
               <a:ext uri="{FF2B5EF4-FFF2-40B4-BE49-F238E27FC236}">
-                <a16:creationId xmlns:a16="http://schemas.microsoft.com/office/drawing/2014/main" id="{919552CC-538E-F745-99B7-26DF45C305B0}"/>
+                <a16:creationId xmlns:a16="http://schemas.microsoft.com/office/drawing/2014/main" xmlns="" id="{919552CC-538E-F745-99B7-26DF45C305B0}"/>
               </a:ext>
             </a:extLst>
           </p:cNvPr>
@@ -8191,7 +8267,7 @@
           <p:cNvPr id="50" name="Slide Number Placeholder 55">
             <a:extLst>
               <a:ext uri="{FF2B5EF4-FFF2-40B4-BE49-F238E27FC236}">
-                <a16:creationId xmlns:a16="http://schemas.microsoft.com/office/drawing/2014/main" id="{23592428-6062-F947-ACAD-88F60D78B960}"/>
+                <a16:creationId xmlns:a16="http://schemas.microsoft.com/office/drawing/2014/main" xmlns="" id="{23592428-6062-F947-ACAD-88F60D78B960}"/>
               </a:ext>
             </a:extLst>
           </p:cNvPr>
@@ -8405,7 +8481,7 @@
           <p:cNvPr id="51" name="Picture 50">
             <a:extLst>
               <a:ext uri="{FF2B5EF4-FFF2-40B4-BE49-F238E27FC236}">
-                <a16:creationId xmlns:a16="http://schemas.microsoft.com/office/drawing/2014/main" id="{91448150-D050-2141-96D2-E8EAE8853412}"/>
+                <a16:creationId xmlns:a16="http://schemas.microsoft.com/office/drawing/2014/main" xmlns="" id="{91448150-D050-2141-96D2-E8EAE8853412}"/>
               </a:ext>
             </a:extLst>
           </p:cNvPr>
@@ -8439,7 +8515,7 @@
           <p:cNvPr id="60" name="Rectangle 59">
             <a:extLst>
               <a:ext uri="{FF2B5EF4-FFF2-40B4-BE49-F238E27FC236}">
-                <a16:creationId xmlns:a16="http://schemas.microsoft.com/office/drawing/2014/main" id="{2D2770D5-E9BA-CA4C-9247-C2BEE85DDA93}"/>
+                <a16:creationId xmlns:a16="http://schemas.microsoft.com/office/drawing/2014/main" xmlns="" id="{2D2770D5-E9BA-CA4C-9247-C2BEE85DDA93}"/>
               </a:ext>
             </a:extLst>
           </p:cNvPr>
@@ -8495,7 +8571,7 @@
           <p:cNvPr id="28" name="Oval 1">
             <a:extLst>
               <a:ext uri="{FF2B5EF4-FFF2-40B4-BE49-F238E27FC236}">
-                <a16:creationId xmlns:a16="http://schemas.microsoft.com/office/drawing/2014/main" id="{3D4DE8A3-78C2-4CE7-B417-F99851497A65}"/>
+                <a16:creationId xmlns:a16="http://schemas.microsoft.com/office/drawing/2014/main" xmlns="" id="{3D4DE8A3-78C2-4CE7-B417-F99851497A65}"/>
               </a:ext>
             </a:extLst>
           </p:cNvPr>
@@ -8553,7 +8629,7 @@
           <p:cNvPr id="29" name="Group 2">
             <a:extLst>
               <a:ext uri="{FF2B5EF4-FFF2-40B4-BE49-F238E27FC236}">
-                <a16:creationId xmlns:a16="http://schemas.microsoft.com/office/drawing/2014/main" id="{EB6298A9-4779-428D-94F8-0F1E237698B4}"/>
+                <a16:creationId xmlns:a16="http://schemas.microsoft.com/office/drawing/2014/main" xmlns="" id="{EB6298A9-4779-428D-94F8-0F1E237698B4}"/>
               </a:ext>
             </a:extLst>
           </p:cNvPr>
@@ -8573,7 +8649,7 @@
             <p:cNvPr id="30" name="Block Arc 3">
               <a:extLst>
                 <a:ext uri="{FF2B5EF4-FFF2-40B4-BE49-F238E27FC236}">
-                  <a16:creationId xmlns:a16="http://schemas.microsoft.com/office/drawing/2014/main" id="{52B283E9-BE72-4996-8E05-9E35A2312018}"/>
+                  <a16:creationId xmlns:a16="http://schemas.microsoft.com/office/drawing/2014/main" xmlns="" id="{52B283E9-BE72-4996-8E05-9E35A2312018}"/>
                 </a:ext>
               </a:extLst>
             </p:cNvPr>
@@ -8633,7 +8709,7 @@
             <p:cNvPr id="31" name="Block Arc 4">
               <a:extLst>
                 <a:ext uri="{FF2B5EF4-FFF2-40B4-BE49-F238E27FC236}">
-                  <a16:creationId xmlns:a16="http://schemas.microsoft.com/office/drawing/2014/main" id="{3CB84BB5-0E88-488C-9880-1254EED188A6}"/>
+                  <a16:creationId xmlns:a16="http://schemas.microsoft.com/office/drawing/2014/main" xmlns="" id="{3CB84BB5-0E88-488C-9880-1254EED188A6}"/>
                 </a:ext>
               </a:extLst>
             </p:cNvPr>
@@ -8693,7 +8769,7 @@
             <p:cNvPr id="32" name="Block Arc 5">
               <a:extLst>
                 <a:ext uri="{FF2B5EF4-FFF2-40B4-BE49-F238E27FC236}">
-                  <a16:creationId xmlns:a16="http://schemas.microsoft.com/office/drawing/2014/main" id="{BEFBCB5D-C575-4969-9FB8-DCAF1D1F8E7A}"/>
+                  <a16:creationId xmlns:a16="http://schemas.microsoft.com/office/drawing/2014/main" xmlns="" id="{BEFBCB5D-C575-4969-9FB8-DCAF1D1F8E7A}"/>
                 </a:ext>
               </a:extLst>
             </p:cNvPr>
@@ -8753,7 +8829,7 @@
             <p:cNvPr id="33" name="Block Arc 6">
               <a:extLst>
                 <a:ext uri="{FF2B5EF4-FFF2-40B4-BE49-F238E27FC236}">
-                  <a16:creationId xmlns:a16="http://schemas.microsoft.com/office/drawing/2014/main" id="{86CFB9FE-A6E1-4258-A134-CCA362B6EA92}"/>
+                  <a16:creationId xmlns:a16="http://schemas.microsoft.com/office/drawing/2014/main" xmlns="" id="{86CFB9FE-A6E1-4258-A134-CCA362B6EA92}"/>
                 </a:ext>
               </a:extLst>
             </p:cNvPr>
@@ -8813,7 +8889,7 @@
             <p:cNvPr id="34" name="Block Arc 7">
               <a:extLst>
                 <a:ext uri="{FF2B5EF4-FFF2-40B4-BE49-F238E27FC236}">
-                  <a16:creationId xmlns:a16="http://schemas.microsoft.com/office/drawing/2014/main" id="{C3A4BD81-BDB1-43DF-B9E3-F066C946D6DC}"/>
+                  <a16:creationId xmlns:a16="http://schemas.microsoft.com/office/drawing/2014/main" xmlns="" id="{C3A4BD81-BDB1-43DF-B9E3-F066C946D6DC}"/>
                 </a:ext>
               </a:extLst>
             </p:cNvPr>
@@ -8874,7 +8950,7 @@
           <p:cNvPr id="35" name="Group 8">
             <a:extLst>
               <a:ext uri="{FF2B5EF4-FFF2-40B4-BE49-F238E27FC236}">
-                <a16:creationId xmlns:a16="http://schemas.microsoft.com/office/drawing/2014/main" id="{A21FD587-BD63-4793-9C4A-91C42A0B3096}"/>
+                <a16:creationId xmlns:a16="http://schemas.microsoft.com/office/drawing/2014/main" xmlns="" id="{A21FD587-BD63-4793-9C4A-91C42A0B3096}"/>
               </a:ext>
             </a:extLst>
           </p:cNvPr>
@@ -8894,7 +8970,7 @@
             <p:cNvPr id="36" name="Group 9">
               <a:extLst>
                 <a:ext uri="{FF2B5EF4-FFF2-40B4-BE49-F238E27FC236}">
-                  <a16:creationId xmlns:a16="http://schemas.microsoft.com/office/drawing/2014/main" id="{19F921EA-348F-4884-A9F9-5FF324A7B802}"/>
+                  <a16:creationId xmlns:a16="http://schemas.microsoft.com/office/drawing/2014/main" xmlns="" id="{19F921EA-348F-4884-A9F9-5FF324A7B802}"/>
                 </a:ext>
               </a:extLst>
             </p:cNvPr>
@@ -8914,7 +8990,7 @@
               <p:cNvPr id="69" name="Teardrop 4">
                 <a:extLst>
                   <a:ext uri="{FF2B5EF4-FFF2-40B4-BE49-F238E27FC236}">
-                    <a16:creationId xmlns:a16="http://schemas.microsoft.com/office/drawing/2014/main" id="{2F940040-0CD1-4B5C-A057-9502CA1678BF}"/>
+                    <a16:creationId xmlns:a16="http://schemas.microsoft.com/office/drawing/2014/main" xmlns="" id="{2F940040-0CD1-4B5C-A057-9502CA1678BF}"/>
                   </a:ext>
                 </a:extLst>
               </p:cNvPr>
@@ -9015,7 +9091,7 @@
               <p:cNvPr id="70" name="Oval 23">
                 <a:extLst>
                   <a:ext uri="{FF2B5EF4-FFF2-40B4-BE49-F238E27FC236}">
-                    <a16:creationId xmlns:a16="http://schemas.microsoft.com/office/drawing/2014/main" id="{4F5BE04A-DD62-450C-B263-FFB69FAD411A}"/>
+                    <a16:creationId xmlns:a16="http://schemas.microsoft.com/office/drawing/2014/main" xmlns="" id="{4F5BE04A-DD62-450C-B263-FFB69FAD411A}"/>
                   </a:ext>
                 </a:extLst>
               </p:cNvPr>
@@ -9086,7 +9162,7 @@
             <p:cNvPr id="37" name="Group 10">
               <a:extLst>
                 <a:ext uri="{FF2B5EF4-FFF2-40B4-BE49-F238E27FC236}">
-                  <a16:creationId xmlns:a16="http://schemas.microsoft.com/office/drawing/2014/main" id="{BE062D98-FC20-4CAE-BD16-2D6AADC0757D}"/>
+                  <a16:creationId xmlns:a16="http://schemas.microsoft.com/office/drawing/2014/main" xmlns="" id="{BE062D98-FC20-4CAE-BD16-2D6AADC0757D}"/>
                 </a:ext>
               </a:extLst>
             </p:cNvPr>
@@ -9106,7 +9182,7 @@
               <p:cNvPr id="67" name="Teardrop 4">
                 <a:extLst>
                   <a:ext uri="{FF2B5EF4-FFF2-40B4-BE49-F238E27FC236}">
-                    <a16:creationId xmlns:a16="http://schemas.microsoft.com/office/drawing/2014/main" id="{1CF5334E-1589-4A90-B581-309CD008AAEB}"/>
+                    <a16:creationId xmlns:a16="http://schemas.microsoft.com/office/drawing/2014/main" xmlns="" id="{1CF5334E-1589-4A90-B581-309CD008AAEB}"/>
                   </a:ext>
                 </a:extLst>
               </p:cNvPr>
@@ -9207,7 +9283,7 @@
               <p:cNvPr id="68" name="Oval 21">
                 <a:extLst>
                   <a:ext uri="{FF2B5EF4-FFF2-40B4-BE49-F238E27FC236}">
-                    <a16:creationId xmlns:a16="http://schemas.microsoft.com/office/drawing/2014/main" id="{278660AC-98FB-4B30-A331-F109A989BEEE}"/>
+                    <a16:creationId xmlns:a16="http://schemas.microsoft.com/office/drawing/2014/main" xmlns="" id="{278660AC-98FB-4B30-A331-F109A989BEEE}"/>
                   </a:ext>
                 </a:extLst>
               </p:cNvPr>
@@ -9269,7 +9345,7 @@
             <p:cNvPr id="38" name="Group 11">
               <a:extLst>
                 <a:ext uri="{FF2B5EF4-FFF2-40B4-BE49-F238E27FC236}">
-                  <a16:creationId xmlns:a16="http://schemas.microsoft.com/office/drawing/2014/main" id="{A28523FE-84CA-491E-B8B3-09A4847BFCCA}"/>
+                  <a16:creationId xmlns:a16="http://schemas.microsoft.com/office/drawing/2014/main" xmlns="" id="{A28523FE-84CA-491E-B8B3-09A4847BFCCA}"/>
                 </a:ext>
               </a:extLst>
             </p:cNvPr>
@@ -9289,7 +9365,7 @@
               <p:cNvPr id="65" name="Teardrop 4">
                 <a:extLst>
                   <a:ext uri="{FF2B5EF4-FFF2-40B4-BE49-F238E27FC236}">
-                    <a16:creationId xmlns:a16="http://schemas.microsoft.com/office/drawing/2014/main" id="{9523B1D2-B678-4C19-8400-F6D7283F5CF7}"/>
+                    <a16:creationId xmlns:a16="http://schemas.microsoft.com/office/drawing/2014/main" xmlns="" id="{9523B1D2-B678-4C19-8400-F6D7283F5CF7}"/>
                   </a:ext>
                 </a:extLst>
               </p:cNvPr>
@@ -9390,7 +9466,7 @@
               <p:cNvPr id="66" name="Oval 19">
                 <a:extLst>
                   <a:ext uri="{FF2B5EF4-FFF2-40B4-BE49-F238E27FC236}">
-                    <a16:creationId xmlns:a16="http://schemas.microsoft.com/office/drawing/2014/main" id="{63431CA7-812A-48EB-AD0C-3FFBC0889C99}"/>
+                    <a16:creationId xmlns:a16="http://schemas.microsoft.com/office/drawing/2014/main" xmlns="" id="{63431CA7-812A-48EB-AD0C-3FFBC0889C99}"/>
                   </a:ext>
                 </a:extLst>
               </p:cNvPr>
@@ -9452,7 +9528,7 @@
             <p:cNvPr id="39" name="Group 12">
               <a:extLst>
                 <a:ext uri="{FF2B5EF4-FFF2-40B4-BE49-F238E27FC236}">
-                  <a16:creationId xmlns:a16="http://schemas.microsoft.com/office/drawing/2014/main" id="{D52E0A2F-519E-400E-BEB6-B41C5ED7652C}"/>
+                  <a16:creationId xmlns:a16="http://schemas.microsoft.com/office/drawing/2014/main" xmlns="" id="{D52E0A2F-519E-400E-BEB6-B41C5ED7652C}"/>
                 </a:ext>
               </a:extLst>
             </p:cNvPr>
@@ -9472,7 +9548,7 @@
               <p:cNvPr id="54" name="Teardrop 4">
                 <a:extLst>
                   <a:ext uri="{FF2B5EF4-FFF2-40B4-BE49-F238E27FC236}">
-                    <a16:creationId xmlns:a16="http://schemas.microsoft.com/office/drawing/2014/main" id="{ECB81124-2602-4ED0-9C25-19C885FD721D}"/>
+                    <a16:creationId xmlns:a16="http://schemas.microsoft.com/office/drawing/2014/main" xmlns="" id="{ECB81124-2602-4ED0-9C25-19C885FD721D}"/>
                   </a:ext>
                 </a:extLst>
               </p:cNvPr>
@@ -9573,7 +9649,7 @@
               <p:cNvPr id="63" name="Oval 17">
                 <a:extLst>
                   <a:ext uri="{FF2B5EF4-FFF2-40B4-BE49-F238E27FC236}">
-                    <a16:creationId xmlns:a16="http://schemas.microsoft.com/office/drawing/2014/main" id="{E16D5DB3-56EE-43C2-B365-6D93D57216D8}"/>
+                    <a16:creationId xmlns:a16="http://schemas.microsoft.com/office/drawing/2014/main" xmlns="" id="{E16D5DB3-56EE-43C2-B365-6D93D57216D8}"/>
                   </a:ext>
                 </a:extLst>
               </p:cNvPr>
@@ -9635,7 +9711,7 @@
             <p:cNvPr id="40" name="Group 13">
               <a:extLst>
                 <a:ext uri="{FF2B5EF4-FFF2-40B4-BE49-F238E27FC236}">
-                  <a16:creationId xmlns:a16="http://schemas.microsoft.com/office/drawing/2014/main" id="{84E8CDDB-C5BA-43B9-A4BD-024B1F9E9855}"/>
+                  <a16:creationId xmlns:a16="http://schemas.microsoft.com/office/drawing/2014/main" xmlns="" id="{84E8CDDB-C5BA-43B9-A4BD-024B1F9E9855}"/>
                 </a:ext>
               </a:extLst>
             </p:cNvPr>
@@ -9655,7 +9731,7 @@
               <p:cNvPr id="42" name="Teardrop 4">
                 <a:extLst>
                   <a:ext uri="{FF2B5EF4-FFF2-40B4-BE49-F238E27FC236}">
-                    <a16:creationId xmlns:a16="http://schemas.microsoft.com/office/drawing/2014/main" id="{1ED8DE0C-CB3E-4FD2-BD17-01A2C62E2956}"/>
+                    <a16:creationId xmlns:a16="http://schemas.microsoft.com/office/drawing/2014/main" xmlns="" id="{1ED8DE0C-CB3E-4FD2-BD17-01A2C62E2956}"/>
                   </a:ext>
                 </a:extLst>
               </p:cNvPr>
@@ -9756,7 +9832,7 @@
               <p:cNvPr id="52" name="Oval 15">
                 <a:extLst>
                   <a:ext uri="{FF2B5EF4-FFF2-40B4-BE49-F238E27FC236}">
-                    <a16:creationId xmlns:a16="http://schemas.microsoft.com/office/drawing/2014/main" id="{304A753E-47CB-444C-AF46-FBF6D4C3483A}"/>
+                    <a16:creationId xmlns:a16="http://schemas.microsoft.com/office/drawing/2014/main" xmlns="" id="{304A753E-47CB-444C-AF46-FBF6D4C3483A}"/>
                   </a:ext>
                 </a:extLst>
               </p:cNvPr>
@@ -9819,7 +9895,7 @@
           <p:cNvPr id="72" name="TextBox 71">
             <a:extLst>
               <a:ext uri="{FF2B5EF4-FFF2-40B4-BE49-F238E27FC236}">
-                <a16:creationId xmlns:a16="http://schemas.microsoft.com/office/drawing/2014/main" id="{429B9DB4-52A0-4B3E-BFB6-A84F19C1732F}"/>
+                <a16:creationId xmlns:a16="http://schemas.microsoft.com/office/drawing/2014/main" xmlns="" id="{429B9DB4-52A0-4B3E-BFB6-A84F19C1732F}"/>
               </a:ext>
             </a:extLst>
           </p:cNvPr>
@@ -9986,7 +10062,7 @@
           <p:cNvPr id="75" name="TextBox 74">
             <a:extLst>
               <a:ext uri="{FF2B5EF4-FFF2-40B4-BE49-F238E27FC236}">
-                <a16:creationId xmlns:a16="http://schemas.microsoft.com/office/drawing/2014/main" id="{9AB7064B-0FA0-4209-9B1F-4A1EB222A08B}"/>
+                <a16:creationId xmlns:a16="http://schemas.microsoft.com/office/drawing/2014/main" xmlns="" id="{9AB7064B-0FA0-4209-9B1F-4A1EB222A08B}"/>
               </a:ext>
             </a:extLst>
           </p:cNvPr>
@@ -10194,7 +10270,7 @@
           <p:cNvPr id="78" name="TextBox 77">
             <a:extLst>
               <a:ext uri="{FF2B5EF4-FFF2-40B4-BE49-F238E27FC236}">
-                <a16:creationId xmlns:a16="http://schemas.microsoft.com/office/drawing/2014/main" id="{EDF08D10-2CBF-450F-9402-B6A3D53599FE}"/>
+                <a16:creationId xmlns:a16="http://schemas.microsoft.com/office/drawing/2014/main" xmlns="" id="{EDF08D10-2CBF-450F-9402-B6A3D53599FE}"/>
               </a:ext>
             </a:extLst>
           </p:cNvPr>
@@ -10312,7 +10388,7 @@
           <p:cNvPr id="81" name="TextBox 80">
             <a:extLst>
               <a:ext uri="{FF2B5EF4-FFF2-40B4-BE49-F238E27FC236}">
-                <a16:creationId xmlns:a16="http://schemas.microsoft.com/office/drawing/2014/main" id="{07577886-7ACA-4550-A4EE-74F3EA7567EF}"/>
+                <a16:creationId xmlns:a16="http://schemas.microsoft.com/office/drawing/2014/main" xmlns="" id="{07577886-7ACA-4550-A4EE-74F3EA7567EF}"/>
               </a:ext>
             </a:extLst>
           </p:cNvPr>
@@ -10460,7 +10536,7 @@
           <p:cNvPr id="84" name="TextBox 83">
             <a:extLst>
               <a:ext uri="{FF2B5EF4-FFF2-40B4-BE49-F238E27FC236}">
-                <a16:creationId xmlns:a16="http://schemas.microsoft.com/office/drawing/2014/main" id="{8A81D79B-1278-4F7F-AE85-1B0878A2BB98}"/>
+                <a16:creationId xmlns:a16="http://schemas.microsoft.com/office/drawing/2014/main" xmlns="" id="{8A81D79B-1278-4F7F-AE85-1B0878A2BB98}"/>
               </a:ext>
             </a:extLst>
           </p:cNvPr>
@@ -10558,7 +10634,7 @@
           <p:cNvPr id="2" name="Rectangle 1">
             <a:extLst>
               <a:ext uri="{FF2B5EF4-FFF2-40B4-BE49-F238E27FC236}">
-                <a16:creationId xmlns:a16="http://schemas.microsoft.com/office/drawing/2014/main" id="{411A4471-1C39-4C87-AC4E-3E960187DAEA}"/>
+                <a16:creationId xmlns:a16="http://schemas.microsoft.com/office/drawing/2014/main" xmlns="" id="{411A4471-1C39-4C87-AC4E-3E960187DAEA}"/>
               </a:ext>
             </a:extLst>
           </p:cNvPr>
@@ -10606,7 +10682,7 @@
           <p:cNvPr id="91" name="Rectangle 90">
             <a:extLst>
               <a:ext uri="{FF2B5EF4-FFF2-40B4-BE49-F238E27FC236}">
-                <a16:creationId xmlns:a16="http://schemas.microsoft.com/office/drawing/2014/main" id="{B3BCBBD6-600B-4EB5-AFD7-34601446C4F4}"/>
+                <a16:creationId xmlns:a16="http://schemas.microsoft.com/office/drawing/2014/main" xmlns="" id="{B3BCBBD6-600B-4EB5-AFD7-34601446C4F4}"/>
               </a:ext>
             </a:extLst>
           </p:cNvPr>
@@ -10654,7 +10730,7 @@
           <p:cNvPr id="92" name="Rectangle 91">
             <a:extLst>
               <a:ext uri="{FF2B5EF4-FFF2-40B4-BE49-F238E27FC236}">
-                <a16:creationId xmlns:a16="http://schemas.microsoft.com/office/drawing/2014/main" id="{89E38EFB-2901-48A6-9B9B-57FE6C0107B0}"/>
+                <a16:creationId xmlns:a16="http://schemas.microsoft.com/office/drawing/2014/main" xmlns="" id="{89E38EFB-2901-48A6-9B9B-57FE6C0107B0}"/>
               </a:ext>
             </a:extLst>
           </p:cNvPr>
@@ -10702,7 +10778,7 @@
           <p:cNvPr id="93" name="Rectangle 92">
             <a:extLst>
               <a:ext uri="{FF2B5EF4-FFF2-40B4-BE49-F238E27FC236}">
-                <a16:creationId xmlns:a16="http://schemas.microsoft.com/office/drawing/2014/main" id="{DB0F0306-85C1-4901-B472-E00983564857}"/>
+                <a16:creationId xmlns:a16="http://schemas.microsoft.com/office/drawing/2014/main" xmlns="" id="{DB0F0306-85C1-4901-B472-E00983564857}"/>
               </a:ext>
             </a:extLst>
           </p:cNvPr>
@@ -11275,7 +11351,7 @@
           <p:cNvPr id="5" name="Rectangle 4">
             <a:extLst>
               <a:ext uri="{FF2B5EF4-FFF2-40B4-BE49-F238E27FC236}">
-                <a16:creationId xmlns:a16="http://schemas.microsoft.com/office/drawing/2014/main" id="{5D8C0D6E-717E-0748-A1B3-2F4FC059E7AB}"/>
+                <a16:creationId xmlns:a16="http://schemas.microsoft.com/office/drawing/2014/main" xmlns="" id="{5D8C0D6E-717E-0748-A1B3-2F4FC059E7AB}"/>
               </a:ext>
             </a:extLst>
           </p:cNvPr>
@@ -11331,7 +11407,7 @@
           <p:cNvPr id="6" name="Rectangle 5">
             <a:extLst>
               <a:ext uri="{FF2B5EF4-FFF2-40B4-BE49-F238E27FC236}">
-                <a16:creationId xmlns:a16="http://schemas.microsoft.com/office/drawing/2014/main" id="{3F260E75-A2A3-A04B-BACD-9F57A78E531C}"/>
+                <a16:creationId xmlns:a16="http://schemas.microsoft.com/office/drawing/2014/main" xmlns="" id="{3F260E75-A2A3-A04B-BACD-9F57A78E531C}"/>
               </a:ext>
             </a:extLst>
           </p:cNvPr>
@@ -11387,7 +11463,7 @@
           <p:cNvPr id="7" name="Right Triangle 6">
             <a:extLst>
               <a:ext uri="{FF2B5EF4-FFF2-40B4-BE49-F238E27FC236}">
-                <a16:creationId xmlns:a16="http://schemas.microsoft.com/office/drawing/2014/main" id="{462D937B-8246-D944-9A3C-B0F19880CD2C}"/>
+                <a16:creationId xmlns:a16="http://schemas.microsoft.com/office/drawing/2014/main" xmlns="" id="{462D937B-8246-D944-9A3C-B0F19880CD2C}"/>
               </a:ext>
             </a:extLst>
           </p:cNvPr>
@@ -11443,7 +11519,7 @@
           <p:cNvPr id="8" name="Rectangle 7">
             <a:extLst>
               <a:ext uri="{FF2B5EF4-FFF2-40B4-BE49-F238E27FC236}">
-                <a16:creationId xmlns:a16="http://schemas.microsoft.com/office/drawing/2014/main" id="{04BFB279-366B-644C-BB1D-E3BA691E73DB}"/>
+                <a16:creationId xmlns:a16="http://schemas.microsoft.com/office/drawing/2014/main" xmlns="" id="{04BFB279-366B-644C-BB1D-E3BA691E73DB}"/>
               </a:ext>
             </a:extLst>
           </p:cNvPr>
@@ -11499,7 +11575,7 @@
           <p:cNvPr id="9" name="Rectangle 8">
             <a:extLst>
               <a:ext uri="{FF2B5EF4-FFF2-40B4-BE49-F238E27FC236}">
-                <a16:creationId xmlns:a16="http://schemas.microsoft.com/office/drawing/2014/main" id="{A816596C-F4D1-534A-9797-29B74C11740B}"/>
+                <a16:creationId xmlns:a16="http://schemas.microsoft.com/office/drawing/2014/main" xmlns="" id="{A816596C-F4D1-534A-9797-29B74C11740B}"/>
               </a:ext>
             </a:extLst>
           </p:cNvPr>
@@ -11555,7 +11631,7 @@
           <p:cNvPr id="10" name="Right Triangle 9">
             <a:extLst>
               <a:ext uri="{FF2B5EF4-FFF2-40B4-BE49-F238E27FC236}">
-                <a16:creationId xmlns:a16="http://schemas.microsoft.com/office/drawing/2014/main" id="{1B5D3335-076C-7147-8DAF-CA04D007D73B}"/>
+                <a16:creationId xmlns:a16="http://schemas.microsoft.com/office/drawing/2014/main" xmlns="" id="{1B5D3335-076C-7147-8DAF-CA04D007D73B}"/>
               </a:ext>
             </a:extLst>
           </p:cNvPr>
@@ -11611,7 +11687,7 @@
           <p:cNvPr id="11" name="Rectangle 10">
             <a:extLst>
               <a:ext uri="{FF2B5EF4-FFF2-40B4-BE49-F238E27FC236}">
-                <a16:creationId xmlns:a16="http://schemas.microsoft.com/office/drawing/2014/main" id="{B381DF9B-E675-414C-ACC9-79839AD68C62}"/>
+                <a16:creationId xmlns:a16="http://schemas.microsoft.com/office/drawing/2014/main" xmlns="" id="{B381DF9B-E675-414C-ACC9-79839AD68C62}"/>
               </a:ext>
             </a:extLst>
           </p:cNvPr>
@@ -11668,7 +11744,7 @@
           <p:cNvPr id="12" name="Slide Number Placeholder 55">
             <a:extLst>
               <a:ext uri="{FF2B5EF4-FFF2-40B4-BE49-F238E27FC236}">
-                <a16:creationId xmlns:a16="http://schemas.microsoft.com/office/drawing/2014/main" id="{A482B367-0910-134F-987D-E85763964874}"/>
+                <a16:creationId xmlns:a16="http://schemas.microsoft.com/office/drawing/2014/main" xmlns="" id="{A482B367-0910-134F-987D-E85763964874}"/>
               </a:ext>
             </a:extLst>
           </p:cNvPr>
@@ -11882,7 +11958,7 @@
           <p:cNvPr id="15" name="Oval 10">
             <a:extLst>
               <a:ext uri="{FF2B5EF4-FFF2-40B4-BE49-F238E27FC236}">
-                <a16:creationId xmlns:a16="http://schemas.microsoft.com/office/drawing/2014/main" id="{2DC80127-5365-4DED-8609-28907C4DD9DE}"/>
+                <a16:creationId xmlns:a16="http://schemas.microsoft.com/office/drawing/2014/main" xmlns="" id="{2DC80127-5365-4DED-8609-28907C4DD9DE}"/>
               </a:ext>
             </a:extLst>
           </p:cNvPr>
@@ -11936,7 +12012,7 @@
           <p:cNvPr id="16" name="TextBox 15">
             <a:extLst>
               <a:ext uri="{FF2B5EF4-FFF2-40B4-BE49-F238E27FC236}">
-                <a16:creationId xmlns:a16="http://schemas.microsoft.com/office/drawing/2014/main" id="{5BE27C22-6791-48B0-81C1-67A8E8926C89}"/>
+                <a16:creationId xmlns:a16="http://schemas.microsoft.com/office/drawing/2014/main" xmlns="" id="{5BE27C22-6791-48B0-81C1-67A8E8926C89}"/>
               </a:ext>
             </a:extLst>
           </p:cNvPr>
@@ -11995,7 +12071,7 @@
           <p:cNvPr id="17" name="TextBox 16">
             <a:extLst>
               <a:ext uri="{FF2B5EF4-FFF2-40B4-BE49-F238E27FC236}">
-                <a16:creationId xmlns:a16="http://schemas.microsoft.com/office/drawing/2014/main" id="{48747EC1-0CA3-4DB4-B66C-0E8AD35ADBA9}"/>
+                <a16:creationId xmlns:a16="http://schemas.microsoft.com/office/drawing/2014/main" xmlns="" id="{48747EC1-0CA3-4DB4-B66C-0E8AD35ADBA9}"/>
               </a:ext>
             </a:extLst>
           </p:cNvPr>
@@ -12103,7 +12179,7 @@
           <p:cNvPr id="20" name="Rectangle 19">
             <a:extLst>
               <a:ext uri="{FF2B5EF4-FFF2-40B4-BE49-F238E27FC236}">
-                <a16:creationId xmlns:a16="http://schemas.microsoft.com/office/drawing/2014/main" id="{4384FD02-5635-4951-BA8F-79C8A4C2BEFE}"/>
+                <a16:creationId xmlns:a16="http://schemas.microsoft.com/office/drawing/2014/main" xmlns="" id="{4384FD02-5635-4951-BA8F-79C8A4C2BEFE}"/>
               </a:ext>
             </a:extLst>
           </p:cNvPr>
@@ -12155,7 +12231,7 @@
           <p:cNvPr id="18" name="Picture 17">
             <a:extLst>
               <a:ext uri="{FF2B5EF4-FFF2-40B4-BE49-F238E27FC236}">
-                <a16:creationId xmlns:a16="http://schemas.microsoft.com/office/drawing/2014/main" id="{B0A59C98-8589-4F62-99A6-4C70A287940B}"/>
+                <a16:creationId xmlns:a16="http://schemas.microsoft.com/office/drawing/2014/main" xmlns="" id="{B0A59C98-8589-4F62-99A6-4C70A287940B}"/>
               </a:ext>
             </a:extLst>
           </p:cNvPr>
@@ -12191,7 +12267,7 @@
           <p:cNvPr id="19" name="Picture 18">
             <a:extLst>
               <a:ext uri="{FF2B5EF4-FFF2-40B4-BE49-F238E27FC236}">
-                <a16:creationId xmlns:a16="http://schemas.microsoft.com/office/drawing/2014/main" id="{44D5A8B8-ACC9-461C-8531-FA48D97C3BC6}"/>
+                <a16:creationId xmlns:a16="http://schemas.microsoft.com/office/drawing/2014/main" xmlns="" id="{44D5A8B8-ACC9-461C-8531-FA48D97C3BC6}"/>
               </a:ext>
             </a:extLst>
           </p:cNvPr>
@@ -12218,6 +12294,16 @@
           <a:prstGeom prst="rect">
             <a:avLst/>
           </a:prstGeom>
+          <a:ln>
+            <a:noFill/>
+          </a:ln>
+          <a:effectLst>
+            <a:outerShdw blurRad="292100" dist="139700" dir="2700000" algn="tl" rotWithShape="0">
+              <a:srgbClr val="333333">
+                <a:alpha val="65000"/>
+              </a:srgbClr>
+            </a:outerShdw>
+          </a:effectLst>
         </p:spPr>
       </p:pic>
       <p:pic>
@@ -12225,7 +12311,7 @@
           <p:cNvPr id="22" name="Picture 21">
             <a:extLst>
               <a:ext uri="{FF2B5EF4-FFF2-40B4-BE49-F238E27FC236}">
-                <a16:creationId xmlns:a16="http://schemas.microsoft.com/office/drawing/2014/main" id="{71424067-5A0B-45AA-9729-57BA7E033D22}"/>
+                <a16:creationId xmlns:a16="http://schemas.microsoft.com/office/drawing/2014/main" xmlns="" id="{71424067-5A0B-45AA-9729-57BA7E033D22}"/>
               </a:ext>
             </a:extLst>
           </p:cNvPr>
@@ -12246,6 +12332,16 @@
           <a:prstGeom prst="rect">
             <a:avLst/>
           </a:prstGeom>
+          <a:ln>
+            <a:noFill/>
+          </a:ln>
+          <a:effectLst>
+            <a:outerShdw blurRad="292100" dist="139700" dir="2700000" algn="tl" rotWithShape="0">
+              <a:srgbClr val="333333">
+                <a:alpha val="65000"/>
+              </a:srgbClr>
+            </a:outerShdw>
+          </a:effectLst>
         </p:spPr>
       </p:pic>
     </p:spTree>
@@ -12616,7 +12712,7 @@
           <p:cNvPr id="5" name="Rectangle 4">
             <a:extLst>
               <a:ext uri="{FF2B5EF4-FFF2-40B4-BE49-F238E27FC236}">
-                <a16:creationId xmlns:a16="http://schemas.microsoft.com/office/drawing/2014/main" id="{5D8C0D6E-717E-0748-A1B3-2F4FC059E7AB}"/>
+                <a16:creationId xmlns:a16="http://schemas.microsoft.com/office/drawing/2014/main" xmlns="" id="{5D8C0D6E-717E-0748-A1B3-2F4FC059E7AB}"/>
               </a:ext>
             </a:extLst>
           </p:cNvPr>
@@ -12672,7 +12768,7 @@
           <p:cNvPr id="6" name="Rectangle 5">
             <a:extLst>
               <a:ext uri="{FF2B5EF4-FFF2-40B4-BE49-F238E27FC236}">
-                <a16:creationId xmlns:a16="http://schemas.microsoft.com/office/drawing/2014/main" id="{3F260E75-A2A3-A04B-BACD-9F57A78E531C}"/>
+                <a16:creationId xmlns:a16="http://schemas.microsoft.com/office/drawing/2014/main" xmlns="" id="{3F260E75-A2A3-A04B-BACD-9F57A78E531C}"/>
               </a:ext>
             </a:extLst>
           </p:cNvPr>
@@ -12728,7 +12824,7 @@
           <p:cNvPr id="7" name="Right Triangle 6">
             <a:extLst>
               <a:ext uri="{FF2B5EF4-FFF2-40B4-BE49-F238E27FC236}">
-                <a16:creationId xmlns:a16="http://schemas.microsoft.com/office/drawing/2014/main" id="{462D937B-8246-D944-9A3C-B0F19880CD2C}"/>
+                <a16:creationId xmlns:a16="http://schemas.microsoft.com/office/drawing/2014/main" xmlns="" id="{462D937B-8246-D944-9A3C-B0F19880CD2C}"/>
               </a:ext>
             </a:extLst>
           </p:cNvPr>
@@ -12784,7 +12880,7 @@
           <p:cNvPr id="8" name="Rectangle 7">
             <a:extLst>
               <a:ext uri="{FF2B5EF4-FFF2-40B4-BE49-F238E27FC236}">
-                <a16:creationId xmlns:a16="http://schemas.microsoft.com/office/drawing/2014/main" id="{04BFB279-366B-644C-BB1D-E3BA691E73DB}"/>
+                <a16:creationId xmlns:a16="http://schemas.microsoft.com/office/drawing/2014/main" xmlns="" id="{04BFB279-366B-644C-BB1D-E3BA691E73DB}"/>
               </a:ext>
             </a:extLst>
           </p:cNvPr>
@@ -12840,7 +12936,7 @@
           <p:cNvPr id="9" name="Rectangle 8">
             <a:extLst>
               <a:ext uri="{FF2B5EF4-FFF2-40B4-BE49-F238E27FC236}">
-                <a16:creationId xmlns:a16="http://schemas.microsoft.com/office/drawing/2014/main" id="{A816596C-F4D1-534A-9797-29B74C11740B}"/>
+                <a16:creationId xmlns:a16="http://schemas.microsoft.com/office/drawing/2014/main" xmlns="" id="{A816596C-F4D1-534A-9797-29B74C11740B}"/>
               </a:ext>
             </a:extLst>
           </p:cNvPr>
@@ -12896,7 +12992,7 @@
           <p:cNvPr id="10" name="Right Triangle 9">
             <a:extLst>
               <a:ext uri="{FF2B5EF4-FFF2-40B4-BE49-F238E27FC236}">
-                <a16:creationId xmlns:a16="http://schemas.microsoft.com/office/drawing/2014/main" id="{1B5D3335-076C-7147-8DAF-CA04D007D73B}"/>
+                <a16:creationId xmlns:a16="http://schemas.microsoft.com/office/drawing/2014/main" xmlns="" id="{1B5D3335-076C-7147-8DAF-CA04D007D73B}"/>
               </a:ext>
             </a:extLst>
           </p:cNvPr>
@@ -12952,7 +13048,7 @@
           <p:cNvPr id="11" name="Rectangle 10">
             <a:extLst>
               <a:ext uri="{FF2B5EF4-FFF2-40B4-BE49-F238E27FC236}">
-                <a16:creationId xmlns:a16="http://schemas.microsoft.com/office/drawing/2014/main" id="{B381DF9B-E675-414C-ACC9-79839AD68C62}"/>
+                <a16:creationId xmlns:a16="http://schemas.microsoft.com/office/drawing/2014/main" xmlns="" id="{B381DF9B-E675-414C-ACC9-79839AD68C62}"/>
               </a:ext>
             </a:extLst>
           </p:cNvPr>
@@ -13009,7 +13105,7 @@
           <p:cNvPr id="12" name="Slide Number Placeholder 55">
             <a:extLst>
               <a:ext uri="{FF2B5EF4-FFF2-40B4-BE49-F238E27FC236}">
-                <a16:creationId xmlns:a16="http://schemas.microsoft.com/office/drawing/2014/main" id="{A482B367-0910-134F-987D-E85763964874}"/>
+                <a16:creationId xmlns:a16="http://schemas.microsoft.com/office/drawing/2014/main" xmlns="" id="{A482B367-0910-134F-987D-E85763964874}"/>
               </a:ext>
             </a:extLst>
           </p:cNvPr>
@@ -13223,7 +13319,7 @@
           <p:cNvPr id="15" name="Oval 10">
             <a:extLst>
               <a:ext uri="{FF2B5EF4-FFF2-40B4-BE49-F238E27FC236}">
-                <a16:creationId xmlns:a16="http://schemas.microsoft.com/office/drawing/2014/main" id="{2DC80127-5365-4DED-8609-28907C4DD9DE}"/>
+                <a16:creationId xmlns:a16="http://schemas.microsoft.com/office/drawing/2014/main" xmlns="" id="{2DC80127-5365-4DED-8609-28907C4DD9DE}"/>
               </a:ext>
             </a:extLst>
           </p:cNvPr>
@@ -13277,7 +13373,7 @@
           <p:cNvPr id="16" name="TextBox 15">
             <a:extLst>
               <a:ext uri="{FF2B5EF4-FFF2-40B4-BE49-F238E27FC236}">
-                <a16:creationId xmlns:a16="http://schemas.microsoft.com/office/drawing/2014/main" id="{5BE27C22-6791-48B0-81C1-67A8E8926C89}"/>
+                <a16:creationId xmlns:a16="http://schemas.microsoft.com/office/drawing/2014/main" xmlns="" id="{5BE27C22-6791-48B0-81C1-67A8E8926C89}"/>
               </a:ext>
             </a:extLst>
           </p:cNvPr>
@@ -13336,7 +13432,7 @@
           <p:cNvPr id="17" name="TextBox 16">
             <a:extLst>
               <a:ext uri="{FF2B5EF4-FFF2-40B4-BE49-F238E27FC236}">
-                <a16:creationId xmlns:a16="http://schemas.microsoft.com/office/drawing/2014/main" id="{48747EC1-0CA3-4DB4-B66C-0E8AD35ADBA9}"/>
+                <a16:creationId xmlns:a16="http://schemas.microsoft.com/office/drawing/2014/main" xmlns="" id="{48747EC1-0CA3-4DB4-B66C-0E8AD35ADBA9}"/>
               </a:ext>
             </a:extLst>
           </p:cNvPr>
@@ -13454,7 +13550,7 @@
           <p:cNvPr id="18" name="Picture 17">
             <a:extLst>
               <a:ext uri="{FF2B5EF4-FFF2-40B4-BE49-F238E27FC236}">
-                <a16:creationId xmlns:a16="http://schemas.microsoft.com/office/drawing/2014/main" id="{B0A59C98-8589-4F62-99A6-4C70A287940B}"/>
+                <a16:creationId xmlns:a16="http://schemas.microsoft.com/office/drawing/2014/main" xmlns="" id="{B0A59C98-8589-4F62-99A6-4C70A287940B}"/>
               </a:ext>
             </a:extLst>
           </p:cNvPr>
@@ -13490,7 +13586,7 @@
           <p:cNvPr id="20" name="Rectangle 19">
             <a:extLst>
               <a:ext uri="{FF2B5EF4-FFF2-40B4-BE49-F238E27FC236}">
-                <a16:creationId xmlns:a16="http://schemas.microsoft.com/office/drawing/2014/main" id="{F80DBDF7-6424-43F0-8EA7-1FE22BFE4927}"/>
+                <a16:creationId xmlns:a16="http://schemas.microsoft.com/office/drawing/2014/main" xmlns="" id="{F80DBDF7-6424-43F0-8EA7-1FE22BFE4927}"/>
               </a:ext>
             </a:extLst>
           </p:cNvPr>
@@ -13678,7 +13774,7 @@
           <p:cNvPr id="2052" name="Picture 4" descr="Lập trình PYTHON chuyên nghiệp tại MSITA Đà Nẵng |">
             <a:extLst>
               <a:ext uri="{FF2B5EF4-FFF2-40B4-BE49-F238E27FC236}">
-                <a16:creationId xmlns:a16="http://schemas.microsoft.com/office/drawing/2014/main" id="{B52F8A69-179A-4B8F-86CB-1E46FBBAB0BE}"/>
+                <a16:creationId xmlns:a16="http://schemas.microsoft.com/office/drawing/2014/main" xmlns="" id="{B52F8A69-179A-4B8F-86CB-1E46FBBAB0BE}"/>
               </a:ext>
             </a:extLst>
           </p:cNvPr>
@@ -13725,7 +13821,7 @@
           <p:cNvPr id="2054" name="Picture 6" descr="Simple Django] - Tuỳ biến Command trong Django">
             <a:extLst>
               <a:ext uri="{FF2B5EF4-FFF2-40B4-BE49-F238E27FC236}">
-                <a16:creationId xmlns:a16="http://schemas.microsoft.com/office/drawing/2014/main" id="{C58351C3-DC86-4DCE-BEB1-9AA3E2D998F5}"/>
+                <a16:creationId xmlns:a16="http://schemas.microsoft.com/office/drawing/2014/main" xmlns="" id="{C58351C3-DC86-4DCE-BEB1-9AA3E2D998F5}"/>
               </a:ext>
             </a:extLst>
           </p:cNvPr>
@@ -13772,7 +13868,7 @@
           <p:cNvPr id="2056" name="Picture 8" descr="XAMPP là gì? Hướng dẫn sử dụng xampp? - Techblog của VCCloud">
             <a:extLst>
               <a:ext uri="{FF2B5EF4-FFF2-40B4-BE49-F238E27FC236}">
-                <a16:creationId xmlns:a16="http://schemas.microsoft.com/office/drawing/2014/main" id="{E0C92A33-6F45-487B-A9D0-C620608460E2}"/>
+                <a16:creationId xmlns:a16="http://schemas.microsoft.com/office/drawing/2014/main" xmlns="" id="{E0C92A33-6F45-487B-A9D0-C620608460E2}"/>
               </a:ext>
             </a:extLst>
           </p:cNvPr>
@@ -13819,7 +13915,7 @@
           <p:cNvPr id="2058" name="Picture 10" descr="MySQL là gì? - Học MySQL online - Viettuts">
             <a:extLst>
               <a:ext uri="{FF2B5EF4-FFF2-40B4-BE49-F238E27FC236}">
-                <a16:creationId xmlns:a16="http://schemas.microsoft.com/office/drawing/2014/main" id="{62548754-0137-4B57-B233-6577075BEC09}"/>
+                <a16:creationId xmlns:a16="http://schemas.microsoft.com/office/drawing/2014/main" xmlns="" id="{62548754-0137-4B57-B233-6577075BEC09}"/>
               </a:ext>
             </a:extLst>
           </p:cNvPr>
@@ -13866,7 +13962,7 @@
           <p:cNvPr id="2060" name="Picture 12" descr="Ubuntu 20.04 LTS for Windows 10 Released on Microsoft Store ...">
             <a:extLst>
               <a:ext uri="{FF2B5EF4-FFF2-40B4-BE49-F238E27FC236}">
-                <a16:creationId xmlns:a16="http://schemas.microsoft.com/office/drawing/2014/main" id="{055ABD34-B877-49FC-A5A8-F7DED0F6F27E}"/>
+                <a16:creationId xmlns:a16="http://schemas.microsoft.com/office/drawing/2014/main" xmlns="" id="{055ABD34-B877-49FC-A5A8-F7DED0F6F27E}"/>
               </a:ext>
             </a:extLst>
           </p:cNvPr>
@@ -13913,7 +14009,7 @@
           <p:cNvPr id="2062" name="Picture 14" descr="Boostrap là gì - Framework thiết kế website responsive phổ biến ...">
             <a:extLst>
               <a:ext uri="{FF2B5EF4-FFF2-40B4-BE49-F238E27FC236}">
-                <a16:creationId xmlns:a16="http://schemas.microsoft.com/office/drawing/2014/main" id="{211587AC-2FF2-42C1-8D53-1444A903CFF1}"/>
+                <a16:creationId xmlns:a16="http://schemas.microsoft.com/office/drawing/2014/main" xmlns="" id="{211587AC-2FF2-42C1-8D53-1444A903CFF1}"/>
               </a:ext>
             </a:extLst>
           </p:cNvPr>
@@ -13993,7 +14089,7 @@
           <p:cNvPr id="5" name="Rectangle 4">
             <a:extLst>
               <a:ext uri="{FF2B5EF4-FFF2-40B4-BE49-F238E27FC236}">
-                <a16:creationId xmlns:a16="http://schemas.microsoft.com/office/drawing/2014/main" id="{22EB8698-066F-854C-BF05-4B2AC5B8EDF3}"/>
+                <a16:creationId xmlns:a16="http://schemas.microsoft.com/office/drawing/2014/main" xmlns="" id="{22EB8698-066F-854C-BF05-4B2AC5B8EDF3}"/>
               </a:ext>
             </a:extLst>
           </p:cNvPr>
@@ -14049,7 +14145,7 @@
           <p:cNvPr id="6" name="Rectangle 5">
             <a:extLst>
               <a:ext uri="{FF2B5EF4-FFF2-40B4-BE49-F238E27FC236}">
-                <a16:creationId xmlns:a16="http://schemas.microsoft.com/office/drawing/2014/main" id="{C77927C6-2DD0-1844-8211-BB074A28D6E9}"/>
+                <a16:creationId xmlns:a16="http://schemas.microsoft.com/office/drawing/2014/main" xmlns="" id="{C77927C6-2DD0-1844-8211-BB074A28D6E9}"/>
               </a:ext>
             </a:extLst>
           </p:cNvPr>
@@ -14105,7 +14201,7 @@
           <p:cNvPr id="7" name="Right Triangle 6">
             <a:extLst>
               <a:ext uri="{FF2B5EF4-FFF2-40B4-BE49-F238E27FC236}">
-                <a16:creationId xmlns:a16="http://schemas.microsoft.com/office/drawing/2014/main" id="{F90D0A9E-EAB1-5249-ABE0-8B36F85A6C83}"/>
+                <a16:creationId xmlns:a16="http://schemas.microsoft.com/office/drawing/2014/main" xmlns="" id="{F90D0A9E-EAB1-5249-ABE0-8B36F85A6C83}"/>
               </a:ext>
             </a:extLst>
           </p:cNvPr>
@@ -14161,7 +14257,7 @@
           <p:cNvPr id="8" name="Rectangle 7">
             <a:extLst>
               <a:ext uri="{FF2B5EF4-FFF2-40B4-BE49-F238E27FC236}">
-                <a16:creationId xmlns:a16="http://schemas.microsoft.com/office/drawing/2014/main" id="{21507331-F390-0948-BDA3-86BE5DE5B82D}"/>
+                <a16:creationId xmlns:a16="http://schemas.microsoft.com/office/drawing/2014/main" xmlns="" id="{21507331-F390-0948-BDA3-86BE5DE5B82D}"/>
               </a:ext>
             </a:extLst>
           </p:cNvPr>
@@ -14217,7 +14313,7 @@
           <p:cNvPr id="9" name="Rectangle 8">
             <a:extLst>
               <a:ext uri="{FF2B5EF4-FFF2-40B4-BE49-F238E27FC236}">
-                <a16:creationId xmlns:a16="http://schemas.microsoft.com/office/drawing/2014/main" id="{F312C495-7013-5A42-8F33-A49FA33098F4}"/>
+                <a16:creationId xmlns:a16="http://schemas.microsoft.com/office/drawing/2014/main" xmlns="" id="{F312C495-7013-5A42-8F33-A49FA33098F4}"/>
               </a:ext>
             </a:extLst>
           </p:cNvPr>
@@ -14273,7 +14369,7 @@
           <p:cNvPr id="10" name="Right Triangle 9">
             <a:extLst>
               <a:ext uri="{FF2B5EF4-FFF2-40B4-BE49-F238E27FC236}">
-                <a16:creationId xmlns:a16="http://schemas.microsoft.com/office/drawing/2014/main" id="{CA44FC03-1C8B-E143-81B9-73D1E6CFDE51}"/>
+                <a16:creationId xmlns:a16="http://schemas.microsoft.com/office/drawing/2014/main" xmlns="" id="{CA44FC03-1C8B-E143-81B9-73D1E6CFDE51}"/>
               </a:ext>
             </a:extLst>
           </p:cNvPr>
@@ -14329,7 +14425,7 @@
           <p:cNvPr id="11" name="Rectangle 10">
             <a:extLst>
               <a:ext uri="{FF2B5EF4-FFF2-40B4-BE49-F238E27FC236}">
-                <a16:creationId xmlns:a16="http://schemas.microsoft.com/office/drawing/2014/main" id="{90BA0FF5-0E9C-1F40-B5EF-626ADA6344E7}"/>
+                <a16:creationId xmlns:a16="http://schemas.microsoft.com/office/drawing/2014/main" xmlns="" id="{90BA0FF5-0E9C-1F40-B5EF-626ADA6344E7}"/>
               </a:ext>
             </a:extLst>
           </p:cNvPr>
@@ -14386,7 +14482,7 @@
           <p:cNvPr id="12" name="Slide Number Placeholder 55">
             <a:extLst>
               <a:ext uri="{FF2B5EF4-FFF2-40B4-BE49-F238E27FC236}">
-                <a16:creationId xmlns:a16="http://schemas.microsoft.com/office/drawing/2014/main" id="{BA798CB8-1F83-044D-814E-1E71B303BFAF}"/>
+                <a16:creationId xmlns:a16="http://schemas.microsoft.com/office/drawing/2014/main" xmlns="" id="{BA798CB8-1F83-044D-814E-1E71B303BFAF}"/>
               </a:ext>
             </a:extLst>
           </p:cNvPr>
@@ -14594,7 +14690,7 @@
           <p:cNvPr id="15" name="Oval 10">
             <a:extLst>
               <a:ext uri="{FF2B5EF4-FFF2-40B4-BE49-F238E27FC236}">
-                <a16:creationId xmlns:a16="http://schemas.microsoft.com/office/drawing/2014/main" id="{3C980F75-EDA6-4575-A839-D7967227E16D}"/>
+                <a16:creationId xmlns:a16="http://schemas.microsoft.com/office/drawing/2014/main" xmlns="" id="{3C980F75-EDA6-4575-A839-D7967227E16D}"/>
               </a:ext>
             </a:extLst>
           </p:cNvPr>
@@ -14648,7 +14744,7 @@
           <p:cNvPr id="16" name="TextBox 15">
             <a:extLst>
               <a:ext uri="{FF2B5EF4-FFF2-40B4-BE49-F238E27FC236}">
-                <a16:creationId xmlns:a16="http://schemas.microsoft.com/office/drawing/2014/main" id="{E0D09B75-E2C6-4D04-8D3E-218F92990565}"/>
+                <a16:creationId xmlns:a16="http://schemas.microsoft.com/office/drawing/2014/main" xmlns="" id="{E0D09B75-E2C6-4D04-8D3E-218F92990565}"/>
               </a:ext>
             </a:extLst>
           </p:cNvPr>
@@ -14707,7 +14803,7 @@
           <p:cNvPr id="2" name="TextBox 1">
             <a:extLst>
               <a:ext uri="{FF2B5EF4-FFF2-40B4-BE49-F238E27FC236}">
-                <a16:creationId xmlns:a16="http://schemas.microsoft.com/office/drawing/2014/main" id="{AA232A35-191F-4ED4-A741-8E1F9E134B33}"/>
+                <a16:creationId xmlns:a16="http://schemas.microsoft.com/office/drawing/2014/main" xmlns="" id="{AA232A35-191F-4ED4-A741-8E1F9E134B33}"/>
               </a:ext>
             </a:extLst>
           </p:cNvPr>
@@ -14875,7 +14971,7 @@
           <p:cNvPr id="14" name="Rectangle 13">
             <a:extLst>
               <a:ext uri="{FF2B5EF4-FFF2-40B4-BE49-F238E27FC236}">
-                <a16:creationId xmlns:a16="http://schemas.microsoft.com/office/drawing/2014/main" id="{A06023B3-2CED-4804-841B-34FF1F281A15}"/>
+                <a16:creationId xmlns:a16="http://schemas.microsoft.com/office/drawing/2014/main" xmlns="" id="{A06023B3-2CED-4804-841B-34FF1F281A15}"/>
               </a:ext>
             </a:extLst>
           </p:cNvPr>
@@ -15012,7 +15108,7 @@
           <p:cNvPr id="18" name="Picture 17">
             <a:extLst>
               <a:ext uri="{FF2B5EF4-FFF2-40B4-BE49-F238E27FC236}">
-                <a16:creationId xmlns:a16="http://schemas.microsoft.com/office/drawing/2014/main" id="{686655FE-78DE-4566-9A10-083F1340735D}"/>
+                <a16:creationId xmlns:a16="http://schemas.microsoft.com/office/drawing/2014/main" xmlns="" id="{686655FE-78DE-4566-9A10-083F1340735D}"/>
               </a:ext>
             </a:extLst>
           </p:cNvPr>
@@ -15073,7 +15169,7 @@
           <p:cNvPr id="5" name="Rectangle 4">
             <a:extLst>
               <a:ext uri="{FF2B5EF4-FFF2-40B4-BE49-F238E27FC236}">
-                <a16:creationId xmlns:a16="http://schemas.microsoft.com/office/drawing/2014/main" id="{22EB8698-066F-854C-BF05-4B2AC5B8EDF3}"/>
+                <a16:creationId xmlns:a16="http://schemas.microsoft.com/office/drawing/2014/main" xmlns="" id="{22EB8698-066F-854C-BF05-4B2AC5B8EDF3}"/>
               </a:ext>
             </a:extLst>
           </p:cNvPr>
@@ -15129,7 +15225,7 @@
           <p:cNvPr id="6" name="Rectangle 5">
             <a:extLst>
               <a:ext uri="{FF2B5EF4-FFF2-40B4-BE49-F238E27FC236}">
-                <a16:creationId xmlns:a16="http://schemas.microsoft.com/office/drawing/2014/main" id="{C77927C6-2DD0-1844-8211-BB074A28D6E9}"/>
+                <a16:creationId xmlns:a16="http://schemas.microsoft.com/office/drawing/2014/main" xmlns="" id="{C77927C6-2DD0-1844-8211-BB074A28D6E9}"/>
               </a:ext>
             </a:extLst>
           </p:cNvPr>
@@ -15185,7 +15281,7 @@
           <p:cNvPr id="7" name="Right Triangle 6">
             <a:extLst>
               <a:ext uri="{FF2B5EF4-FFF2-40B4-BE49-F238E27FC236}">
-                <a16:creationId xmlns:a16="http://schemas.microsoft.com/office/drawing/2014/main" id="{F90D0A9E-EAB1-5249-ABE0-8B36F85A6C83}"/>
+                <a16:creationId xmlns:a16="http://schemas.microsoft.com/office/drawing/2014/main" xmlns="" id="{F90D0A9E-EAB1-5249-ABE0-8B36F85A6C83}"/>
               </a:ext>
             </a:extLst>
           </p:cNvPr>
@@ -15241,7 +15337,7 @@
           <p:cNvPr id="8" name="Rectangle 7">
             <a:extLst>
               <a:ext uri="{FF2B5EF4-FFF2-40B4-BE49-F238E27FC236}">
-                <a16:creationId xmlns:a16="http://schemas.microsoft.com/office/drawing/2014/main" id="{21507331-F390-0948-BDA3-86BE5DE5B82D}"/>
+                <a16:creationId xmlns:a16="http://schemas.microsoft.com/office/drawing/2014/main" xmlns="" id="{21507331-F390-0948-BDA3-86BE5DE5B82D}"/>
               </a:ext>
             </a:extLst>
           </p:cNvPr>
@@ -15297,7 +15393,7 @@
           <p:cNvPr id="9" name="Rectangle 8">
             <a:extLst>
               <a:ext uri="{FF2B5EF4-FFF2-40B4-BE49-F238E27FC236}">
-                <a16:creationId xmlns:a16="http://schemas.microsoft.com/office/drawing/2014/main" id="{F312C495-7013-5A42-8F33-A49FA33098F4}"/>
+                <a16:creationId xmlns:a16="http://schemas.microsoft.com/office/drawing/2014/main" xmlns="" id="{F312C495-7013-5A42-8F33-A49FA33098F4}"/>
               </a:ext>
             </a:extLst>
           </p:cNvPr>
@@ -15353,7 +15449,7 @@
           <p:cNvPr id="10" name="Right Triangle 9">
             <a:extLst>
               <a:ext uri="{FF2B5EF4-FFF2-40B4-BE49-F238E27FC236}">
-                <a16:creationId xmlns:a16="http://schemas.microsoft.com/office/drawing/2014/main" id="{CA44FC03-1C8B-E143-81B9-73D1E6CFDE51}"/>
+                <a16:creationId xmlns:a16="http://schemas.microsoft.com/office/drawing/2014/main" xmlns="" id="{CA44FC03-1C8B-E143-81B9-73D1E6CFDE51}"/>
               </a:ext>
             </a:extLst>
           </p:cNvPr>
@@ -15409,7 +15505,7 @@
           <p:cNvPr id="11" name="Rectangle 10">
             <a:extLst>
               <a:ext uri="{FF2B5EF4-FFF2-40B4-BE49-F238E27FC236}">
-                <a16:creationId xmlns:a16="http://schemas.microsoft.com/office/drawing/2014/main" id="{90BA0FF5-0E9C-1F40-B5EF-626ADA6344E7}"/>
+                <a16:creationId xmlns:a16="http://schemas.microsoft.com/office/drawing/2014/main" xmlns="" id="{90BA0FF5-0E9C-1F40-B5EF-626ADA6344E7}"/>
               </a:ext>
             </a:extLst>
           </p:cNvPr>
@@ -15466,7 +15562,7 @@
           <p:cNvPr id="12" name="Slide Number Placeholder 55">
             <a:extLst>
               <a:ext uri="{FF2B5EF4-FFF2-40B4-BE49-F238E27FC236}">
-                <a16:creationId xmlns:a16="http://schemas.microsoft.com/office/drawing/2014/main" id="{BA798CB8-1F83-044D-814E-1E71B303BFAF}"/>
+                <a16:creationId xmlns:a16="http://schemas.microsoft.com/office/drawing/2014/main" xmlns="" id="{BA798CB8-1F83-044D-814E-1E71B303BFAF}"/>
               </a:ext>
             </a:extLst>
           </p:cNvPr>
@@ -15674,7 +15770,7 @@
           <p:cNvPr id="15" name="Oval 10">
             <a:extLst>
               <a:ext uri="{FF2B5EF4-FFF2-40B4-BE49-F238E27FC236}">
-                <a16:creationId xmlns:a16="http://schemas.microsoft.com/office/drawing/2014/main" id="{3C980F75-EDA6-4575-A839-D7967227E16D}"/>
+                <a16:creationId xmlns:a16="http://schemas.microsoft.com/office/drawing/2014/main" xmlns="" id="{3C980F75-EDA6-4575-A839-D7967227E16D}"/>
               </a:ext>
             </a:extLst>
           </p:cNvPr>
@@ -15728,7 +15824,7 @@
           <p:cNvPr id="16" name="TextBox 15">
             <a:extLst>
               <a:ext uri="{FF2B5EF4-FFF2-40B4-BE49-F238E27FC236}">
-                <a16:creationId xmlns:a16="http://schemas.microsoft.com/office/drawing/2014/main" id="{E0D09B75-E2C6-4D04-8D3E-218F92990565}"/>
+                <a16:creationId xmlns:a16="http://schemas.microsoft.com/office/drawing/2014/main" xmlns="" id="{E0D09B75-E2C6-4D04-8D3E-218F92990565}"/>
               </a:ext>
             </a:extLst>
           </p:cNvPr>
@@ -15787,7 +15883,7 @@
           <p:cNvPr id="2" name="TextBox 1">
             <a:extLst>
               <a:ext uri="{FF2B5EF4-FFF2-40B4-BE49-F238E27FC236}">
-                <a16:creationId xmlns:a16="http://schemas.microsoft.com/office/drawing/2014/main" id="{AA232A35-191F-4ED4-A741-8E1F9E134B33}"/>
+                <a16:creationId xmlns:a16="http://schemas.microsoft.com/office/drawing/2014/main" xmlns="" id="{AA232A35-191F-4ED4-A741-8E1F9E134B33}"/>
               </a:ext>
             </a:extLst>
           </p:cNvPr>
@@ -15955,7 +16051,7 @@
           <p:cNvPr id="14" name="Rectangle 13">
             <a:extLst>
               <a:ext uri="{FF2B5EF4-FFF2-40B4-BE49-F238E27FC236}">
-                <a16:creationId xmlns:a16="http://schemas.microsoft.com/office/drawing/2014/main" id="{A06023B3-2CED-4804-841B-34FF1F281A15}"/>
+                <a16:creationId xmlns:a16="http://schemas.microsoft.com/office/drawing/2014/main" xmlns="" id="{A06023B3-2CED-4804-841B-34FF1F281A15}"/>
               </a:ext>
             </a:extLst>
           </p:cNvPr>
@@ -16035,7 +16131,7 @@
           <p:cNvPr id="18" name="Picture 17">
             <a:extLst>
               <a:ext uri="{FF2B5EF4-FFF2-40B4-BE49-F238E27FC236}">
-                <a16:creationId xmlns:a16="http://schemas.microsoft.com/office/drawing/2014/main" id="{97A581D4-5E69-4209-B966-266D5E8F7892}"/>
+                <a16:creationId xmlns:a16="http://schemas.microsoft.com/office/drawing/2014/main" xmlns="" id="{97A581D4-5E69-4209-B966-266D5E8F7892}"/>
               </a:ext>
             </a:extLst>
           </p:cNvPr>
@@ -16096,7 +16192,7 @@
           <p:cNvPr id="5" name="Rectangle 4">
             <a:extLst>
               <a:ext uri="{FF2B5EF4-FFF2-40B4-BE49-F238E27FC236}">
-                <a16:creationId xmlns:a16="http://schemas.microsoft.com/office/drawing/2014/main" id="{22EB8698-066F-854C-BF05-4B2AC5B8EDF3}"/>
+                <a16:creationId xmlns:a16="http://schemas.microsoft.com/office/drawing/2014/main" xmlns="" id="{22EB8698-066F-854C-BF05-4B2AC5B8EDF3}"/>
               </a:ext>
             </a:extLst>
           </p:cNvPr>
@@ -16152,7 +16248,7 @@
           <p:cNvPr id="6" name="Rectangle 5">
             <a:extLst>
               <a:ext uri="{FF2B5EF4-FFF2-40B4-BE49-F238E27FC236}">
-                <a16:creationId xmlns:a16="http://schemas.microsoft.com/office/drawing/2014/main" id="{C77927C6-2DD0-1844-8211-BB074A28D6E9}"/>
+                <a16:creationId xmlns:a16="http://schemas.microsoft.com/office/drawing/2014/main" xmlns="" id="{C77927C6-2DD0-1844-8211-BB074A28D6E9}"/>
               </a:ext>
             </a:extLst>
           </p:cNvPr>
@@ -16208,7 +16304,7 @@
           <p:cNvPr id="7" name="Right Triangle 6">
             <a:extLst>
               <a:ext uri="{FF2B5EF4-FFF2-40B4-BE49-F238E27FC236}">
-                <a16:creationId xmlns:a16="http://schemas.microsoft.com/office/drawing/2014/main" id="{F90D0A9E-EAB1-5249-ABE0-8B36F85A6C83}"/>
+                <a16:creationId xmlns:a16="http://schemas.microsoft.com/office/drawing/2014/main" xmlns="" id="{F90D0A9E-EAB1-5249-ABE0-8B36F85A6C83}"/>
               </a:ext>
             </a:extLst>
           </p:cNvPr>
@@ -16264,7 +16360,7 @@
           <p:cNvPr id="8" name="Rectangle 7">
             <a:extLst>
               <a:ext uri="{FF2B5EF4-FFF2-40B4-BE49-F238E27FC236}">
-                <a16:creationId xmlns:a16="http://schemas.microsoft.com/office/drawing/2014/main" id="{21507331-F390-0948-BDA3-86BE5DE5B82D}"/>
+                <a16:creationId xmlns:a16="http://schemas.microsoft.com/office/drawing/2014/main" xmlns="" id="{21507331-F390-0948-BDA3-86BE5DE5B82D}"/>
               </a:ext>
             </a:extLst>
           </p:cNvPr>
@@ -16320,7 +16416,7 @@
           <p:cNvPr id="9" name="Rectangle 8">
             <a:extLst>
               <a:ext uri="{FF2B5EF4-FFF2-40B4-BE49-F238E27FC236}">
-                <a16:creationId xmlns:a16="http://schemas.microsoft.com/office/drawing/2014/main" id="{F312C495-7013-5A42-8F33-A49FA33098F4}"/>
+                <a16:creationId xmlns:a16="http://schemas.microsoft.com/office/drawing/2014/main" xmlns="" id="{F312C495-7013-5A42-8F33-A49FA33098F4}"/>
               </a:ext>
             </a:extLst>
           </p:cNvPr>
@@ -16376,7 +16472,7 @@
           <p:cNvPr id="10" name="Right Triangle 9">
             <a:extLst>
               <a:ext uri="{FF2B5EF4-FFF2-40B4-BE49-F238E27FC236}">
-                <a16:creationId xmlns:a16="http://schemas.microsoft.com/office/drawing/2014/main" id="{CA44FC03-1C8B-E143-81B9-73D1E6CFDE51}"/>
+                <a16:creationId xmlns:a16="http://schemas.microsoft.com/office/drawing/2014/main" xmlns="" id="{CA44FC03-1C8B-E143-81B9-73D1E6CFDE51}"/>
               </a:ext>
             </a:extLst>
           </p:cNvPr>
@@ -16432,7 +16528,7 @@
           <p:cNvPr id="11" name="Rectangle 10">
             <a:extLst>
               <a:ext uri="{FF2B5EF4-FFF2-40B4-BE49-F238E27FC236}">
-                <a16:creationId xmlns:a16="http://schemas.microsoft.com/office/drawing/2014/main" id="{90BA0FF5-0E9C-1F40-B5EF-626ADA6344E7}"/>
+                <a16:creationId xmlns:a16="http://schemas.microsoft.com/office/drawing/2014/main" xmlns="" id="{90BA0FF5-0E9C-1F40-B5EF-626ADA6344E7}"/>
               </a:ext>
             </a:extLst>
           </p:cNvPr>
@@ -16489,7 +16585,7 @@
           <p:cNvPr id="12" name="Slide Number Placeholder 55">
             <a:extLst>
               <a:ext uri="{FF2B5EF4-FFF2-40B4-BE49-F238E27FC236}">
-                <a16:creationId xmlns:a16="http://schemas.microsoft.com/office/drawing/2014/main" id="{BA798CB8-1F83-044D-814E-1E71B303BFAF}"/>
+                <a16:creationId xmlns:a16="http://schemas.microsoft.com/office/drawing/2014/main" xmlns="" id="{BA798CB8-1F83-044D-814E-1E71B303BFAF}"/>
               </a:ext>
             </a:extLst>
           </p:cNvPr>
@@ -16697,7 +16793,7 @@
           <p:cNvPr id="15" name="Oval 10">
             <a:extLst>
               <a:ext uri="{FF2B5EF4-FFF2-40B4-BE49-F238E27FC236}">
-                <a16:creationId xmlns:a16="http://schemas.microsoft.com/office/drawing/2014/main" id="{3C980F75-EDA6-4575-A839-D7967227E16D}"/>
+                <a16:creationId xmlns:a16="http://schemas.microsoft.com/office/drawing/2014/main" xmlns="" id="{3C980F75-EDA6-4575-A839-D7967227E16D}"/>
               </a:ext>
             </a:extLst>
           </p:cNvPr>
@@ -16751,7 +16847,7 @@
           <p:cNvPr id="16" name="TextBox 15">
             <a:extLst>
               <a:ext uri="{FF2B5EF4-FFF2-40B4-BE49-F238E27FC236}">
-                <a16:creationId xmlns:a16="http://schemas.microsoft.com/office/drawing/2014/main" id="{E0D09B75-E2C6-4D04-8D3E-218F92990565}"/>
+                <a16:creationId xmlns:a16="http://schemas.microsoft.com/office/drawing/2014/main" xmlns="" id="{E0D09B75-E2C6-4D04-8D3E-218F92990565}"/>
               </a:ext>
             </a:extLst>
           </p:cNvPr>
@@ -16810,7 +16906,7 @@
           <p:cNvPr id="2" name="TextBox 1">
             <a:extLst>
               <a:ext uri="{FF2B5EF4-FFF2-40B4-BE49-F238E27FC236}">
-                <a16:creationId xmlns:a16="http://schemas.microsoft.com/office/drawing/2014/main" id="{AA232A35-191F-4ED4-A741-8E1F9E134B33}"/>
+                <a16:creationId xmlns:a16="http://schemas.microsoft.com/office/drawing/2014/main" xmlns="" id="{AA232A35-191F-4ED4-A741-8E1F9E134B33}"/>
               </a:ext>
             </a:extLst>
           </p:cNvPr>
@@ -16928,7 +17024,7 @@
           <p:cNvPr id="17" name="Picture 16">
             <a:extLst>
               <a:ext uri="{FF2B5EF4-FFF2-40B4-BE49-F238E27FC236}">
-                <a16:creationId xmlns:a16="http://schemas.microsoft.com/office/drawing/2014/main" id="{51C55961-81F4-4C55-9E3E-D4733E798342}"/>
+                <a16:creationId xmlns:a16="http://schemas.microsoft.com/office/drawing/2014/main" xmlns="" id="{51C55961-81F4-4C55-9E3E-D4733E798342}"/>
               </a:ext>
             </a:extLst>
           </p:cNvPr>
@@ -16989,7 +17085,7 @@
           <p:cNvPr id="5" name="Rectangle 4">
             <a:extLst>
               <a:ext uri="{FF2B5EF4-FFF2-40B4-BE49-F238E27FC236}">
-                <a16:creationId xmlns:a16="http://schemas.microsoft.com/office/drawing/2014/main" id="{5D8C0D6E-717E-0748-A1B3-2F4FC059E7AB}"/>
+                <a16:creationId xmlns:a16="http://schemas.microsoft.com/office/drawing/2014/main" xmlns="" id="{5D8C0D6E-717E-0748-A1B3-2F4FC059E7AB}"/>
               </a:ext>
             </a:extLst>
           </p:cNvPr>
@@ -17045,7 +17141,7 @@
           <p:cNvPr id="6" name="Rectangle 5">
             <a:extLst>
               <a:ext uri="{FF2B5EF4-FFF2-40B4-BE49-F238E27FC236}">
-                <a16:creationId xmlns:a16="http://schemas.microsoft.com/office/drawing/2014/main" id="{3F260E75-A2A3-A04B-BACD-9F57A78E531C}"/>
+                <a16:creationId xmlns:a16="http://schemas.microsoft.com/office/drawing/2014/main" xmlns="" id="{3F260E75-A2A3-A04B-BACD-9F57A78E531C}"/>
               </a:ext>
             </a:extLst>
           </p:cNvPr>
@@ -17101,7 +17197,7 @@
           <p:cNvPr id="7" name="Right Triangle 6">
             <a:extLst>
               <a:ext uri="{FF2B5EF4-FFF2-40B4-BE49-F238E27FC236}">
-                <a16:creationId xmlns:a16="http://schemas.microsoft.com/office/drawing/2014/main" id="{462D937B-8246-D944-9A3C-B0F19880CD2C}"/>
+                <a16:creationId xmlns:a16="http://schemas.microsoft.com/office/drawing/2014/main" xmlns="" id="{462D937B-8246-D944-9A3C-B0F19880CD2C}"/>
               </a:ext>
             </a:extLst>
           </p:cNvPr>
@@ -17157,7 +17253,7 @@
           <p:cNvPr id="8" name="Rectangle 7">
             <a:extLst>
               <a:ext uri="{FF2B5EF4-FFF2-40B4-BE49-F238E27FC236}">
-                <a16:creationId xmlns:a16="http://schemas.microsoft.com/office/drawing/2014/main" id="{04BFB279-366B-644C-BB1D-E3BA691E73DB}"/>
+                <a16:creationId xmlns:a16="http://schemas.microsoft.com/office/drawing/2014/main" xmlns="" id="{04BFB279-366B-644C-BB1D-E3BA691E73DB}"/>
               </a:ext>
             </a:extLst>
           </p:cNvPr>
@@ -17213,7 +17309,7 @@
           <p:cNvPr id="9" name="Rectangle 8">
             <a:extLst>
               <a:ext uri="{FF2B5EF4-FFF2-40B4-BE49-F238E27FC236}">
-                <a16:creationId xmlns:a16="http://schemas.microsoft.com/office/drawing/2014/main" id="{A816596C-F4D1-534A-9797-29B74C11740B}"/>
+                <a16:creationId xmlns:a16="http://schemas.microsoft.com/office/drawing/2014/main" xmlns="" id="{A816596C-F4D1-534A-9797-29B74C11740B}"/>
               </a:ext>
             </a:extLst>
           </p:cNvPr>
@@ -17269,7 +17365,7 @@
           <p:cNvPr id="10" name="Right Triangle 9">
             <a:extLst>
               <a:ext uri="{FF2B5EF4-FFF2-40B4-BE49-F238E27FC236}">
-                <a16:creationId xmlns:a16="http://schemas.microsoft.com/office/drawing/2014/main" id="{1B5D3335-076C-7147-8DAF-CA04D007D73B}"/>
+                <a16:creationId xmlns:a16="http://schemas.microsoft.com/office/drawing/2014/main" xmlns="" id="{1B5D3335-076C-7147-8DAF-CA04D007D73B}"/>
               </a:ext>
             </a:extLst>
           </p:cNvPr>
@@ -17325,7 +17421,7 @@
           <p:cNvPr id="11" name="Rectangle 10">
             <a:extLst>
               <a:ext uri="{FF2B5EF4-FFF2-40B4-BE49-F238E27FC236}">
-                <a16:creationId xmlns:a16="http://schemas.microsoft.com/office/drawing/2014/main" id="{B381DF9B-E675-414C-ACC9-79839AD68C62}"/>
+                <a16:creationId xmlns:a16="http://schemas.microsoft.com/office/drawing/2014/main" xmlns="" id="{B381DF9B-E675-414C-ACC9-79839AD68C62}"/>
               </a:ext>
             </a:extLst>
           </p:cNvPr>
@@ -17382,7 +17478,7 @@
           <p:cNvPr id="12" name="Slide Number Placeholder 55">
             <a:extLst>
               <a:ext uri="{FF2B5EF4-FFF2-40B4-BE49-F238E27FC236}">
-                <a16:creationId xmlns:a16="http://schemas.microsoft.com/office/drawing/2014/main" id="{A482B367-0910-134F-987D-E85763964874}"/>
+                <a16:creationId xmlns:a16="http://schemas.microsoft.com/office/drawing/2014/main" xmlns="" id="{A482B367-0910-134F-987D-E85763964874}"/>
               </a:ext>
             </a:extLst>
           </p:cNvPr>
@@ -17737,7 +17833,7 @@
           <p:cNvPr id="2" name="TextBox 1">
             <a:extLst>
               <a:ext uri="{FF2B5EF4-FFF2-40B4-BE49-F238E27FC236}">
-                <a16:creationId xmlns:a16="http://schemas.microsoft.com/office/drawing/2014/main" id="{DDD01B00-051B-461B-BFC7-744947FF4491}"/>
+                <a16:creationId xmlns:a16="http://schemas.microsoft.com/office/drawing/2014/main" xmlns="" id="{DDD01B00-051B-461B-BFC7-744947FF4491}"/>
               </a:ext>
             </a:extLst>
           </p:cNvPr>
@@ -18090,7 +18186,7 @@
           <p:cNvPr id="24" name="Oval 10">
             <a:extLst>
               <a:ext uri="{FF2B5EF4-FFF2-40B4-BE49-F238E27FC236}">
-                <a16:creationId xmlns:a16="http://schemas.microsoft.com/office/drawing/2014/main" id="{F15135E7-0101-4A05-9361-DBD94AAA9259}"/>
+                <a16:creationId xmlns:a16="http://schemas.microsoft.com/office/drawing/2014/main" xmlns="" id="{F15135E7-0101-4A05-9361-DBD94AAA9259}"/>
               </a:ext>
             </a:extLst>
           </p:cNvPr>
@@ -18144,7 +18240,7 @@
           <p:cNvPr id="25" name="TextBox 24">
             <a:extLst>
               <a:ext uri="{FF2B5EF4-FFF2-40B4-BE49-F238E27FC236}">
-                <a16:creationId xmlns:a16="http://schemas.microsoft.com/office/drawing/2014/main" id="{8985DC7C-7836-4F59-9A0C-FBD88FCA4AC4}"/>
+                <a16:creationId xmlns:a16="http://schemas.microsoft.com/office/drawing/2014/main" xmlns="" id="{8985DC7C-7836-4F59-9A0C-FBD88FCA4AC4}"/>
               </a:ext>
             </a:extLst>
           </p:cNvPr>
@@ -18203,7 +18299,7 @@
           <p:cNvPr id="27" name="TextBox 26">
             <a:extLst>
               <a:ext uri="{FF2B5EF4-FFF2-40B4-BE49-F238E27FC236}">
-                <a16:creationId xmlns:a16="http://schemas.microsoft.com/office/drawing/2014/main" id="{AD381E51-21DA-40C8-9ED5-20DE4C6BAC8F}"/>
+                <a16:creationId xmlns:a16="http://schemas.microsoft.com/office/drawing/2014/main" xmlns="" id="{AD381E51-21DA-40C8-9ED5-20DE4C6BAC8F}"/>
               </a:ext>
             </a:extLst>
           </p:cNvPr>
@@ -18351,7 +18447,7 @@
           <p:cNvPr id="23" name="TextBox 22">
             <a:extLst>
               <a:ext uri="{FF2B5EF4-FFF2-40B4-BE49-F238E27FC236}">
-                <a16:creationId xmlns:a16="http://schemas.microsoft.com/office/drawing/2014/main" id="{6834463F-D348-49E0-8B4B-3E935A9F4B10}"/>
+                <a16:creationId xmlns:a16="http://schemas.microsoft.com/office/drawing/2014/main" xmlns="" id="{6834463F-D348-49E0-8B4B-3E935A9F4B10}"/>
               </a:ext>
             </a:extLst>
           </p:cNvPr>
@@ -18867,7 +18963,7 @@
           <p:cNvPr id="8" name="Rectangle 7">
             <a:extLst>
               <a:ext uri="{FF2B5EF4-FFF2-40B4-BE49-F238E27FC236}">
-                <a16:creationId xmlns:a16="http://schemas.microsoft.com/office/drawing/2014/main" id="{04BFB279-366B-644C-BB1D-E3BA691E73DB}"/>
+                <a16:creationId xmlns:a16="http://schemas.microsoft.com/office/drawing/2014/main" xmlns="" id="{04BFB279-366B-644C-BB1D-E3BA691E73DB}"/>
               </a:ext>
             </a:extLst>
           </p:cNvPr>
@@ -18923,7 +19019,7 @@
           <p:cNvPr id="11" name="Rectangle 10">
             <a:extLst>
               <a:ext uri="{FF2B5EF4-FFF2-40B4-BE49-F238E27FC236}">
-                <a16:creationId xmlns:a16="http://schemas.microsoft.com/office/drawing/2014/main" id="{B381DF9B-E675-414C-ACC9-79839AD68C62}"/>
+                <a16:creationId xmlns:a16="http://schemas.microsoft.com/office/drawing/2014/main" xmlns="" id="{B381DF9B-E675-414C-ACC9-79839AD68C62}"/>
               </a:ext>
             </a:extLst>
           </p:cNvPr>
@@ -18980,7 +19076,7 @@
           <p:cNvPr id="5" name="Rectangle 4">
             <a:extLst>
               <a:ext uri="{FF2B5EF4-FFF2-40B4-BE49-F238E27FC236}">
-                <a16:creationId xmlns:a16="http://schemas.microsoft.com/office/drawing/2014/main" id="{5D8C0D6E-717E-0748-A1B3-2F4FC059E7AB}"/>
+                <a16:creationId xmlns:a16="http://schemas.microsoft.com/office/drawing/2014/main" xmlns="" id="{5D8C0D6E-717E-0748-A1B3-2F4FC059E7AB}"/>
               </a:ext>
             </a:extLst>
           </p:cNvPr>
@@ -19036,7 +19132,7 @@
           <p:cNvPr id="6" name="Rectangle 5">
             <a:extLst>
               <a:ext uri="{FF2B5EF4-FFF2-40B4-BE49-F238E27FC236}">
-                <a16:creationId xmlns:a16="http://schemas.microsoft.com/office/drawing/2014/main" id="{3F260E75-A2A3-A04B-BACD-9F57A78E531C}"/>
+                <a16:creationId xmlns:a16="http://schemas.microsoft.com/office/drawing/2014/main" xmlns="" id="{3F260E75-A2A3-A04B-BACD-9F57A78E531C}"/>
               </a:ext>
             </a:extLst>
           </p:cNvPr>
@@ -19092,7 +19188,7 @@
           <p:cNvPr id="7" name="Right Triangle 6">
             <a:extLst>
               <a:ext uri="{FF2B5EF4-FFF2-40B4-BE49-F238E27FC236}">
-                <a16:creationId xmlns:a16="http://schemas.microsoft.com/office/drawing/2014/main" id="{462D937B-8246-D944-9A3C-B0F19880CD2C}"/>
+                <a16:creationId xmlns:a16="http://schemas.microsoft.com/office/drawing/2014/main" xmlns="" id="{462D937B-8246-D944-9A3C-B0F19880CD2C}"/>
               </a:ext>
             </a:extLst>
           </p:cNvPr>
@@ -19148,7 +19244,7 @@
           <p:cNvPr id="9" name="Rectangle 8">
             <a:extLst>
               <a:ext uri="{FF2B5EF4-FFF2-40B4-BE49-F238E27FC236}">
-                <a16:creationId xmlns:a16="http://schemas.microsoft.com/office/drawing/2014/main" id="{A816596C-F4D1-534A-9797-29B74C11740B}"/>
+                <a16:creationId xmlns:a16="http://schemas.microsoft.com/office/drawing/2014/main" xmlns="" id="{A816596C-F4D1-534A-9797-29B74C11740B}"/>
               </a:ext>
             </a:extLst>
           </p:cNvPr>
@@ -19204,7 +19300,7 @@
           <p:cNvPr id="10" name="Right Triangle 9">
             <a:extLst>
               <a:ext uri="{FF2B5EF4-FFF2-40B4-BE49-F238E27FC236}">
-                <a16:creationId xmlns:a16="http://schemas.microsoft.com/office/drawing/2014/main" id="{1B5D3335-076C-7147-8DAF-CA04D007D73B}"/>
+                <a16:creationId xmlns:a16="http://schemas.microsoft.com/office/drawing/2014/main" xmlns="" id="{1B5D3335-076C-7147-8DAF-CA04D007D73B}"/>
               </a:ext>
             </a:extLst>
           </p:cNvPr>
@@ -19260,7 +19356,7 @@
           <p:cNvPr id="12" name="Slide Number Placeholder 55">
             <a:extLst>
               <a:ext uri="{FF2B5EF4-FFF2-40B4-BE49-F238E27FC236}">
-                <a16:creationId xmlns:a16="http://schemas.microsoft.com/office/drawing/2014/main" id="{A482B367-0910-134F-987D-E85763964874}"/>
+                <a16:creationId xmlns:a16="http://schemas.microsoft.com/office/drawing/2014/main" xmlns="" id="{A482B367-0910-134F-987D-E85763964874}"/>
               </a:ext>
             </a:extLst>
           </p:cNvPr>
@@ -19578,7 +19674,7 @@
           <p:cNvPr id="2" name="TextBox 1">
             <a:extLst>
               <a:ext uri="{FF2B5EF4-FFF2-40B4-BE49-F238E27FC236}">
-                <a16:creationId xmlns:a16="http://schemas.microsoft.com/office/drawing/2014/main" id="{DDD01B00-051B-461B-BFC7-744947FF4491}"/>
+                <a16:creationId xmlns:a16="http://schemas.microsoft.com/office/drawing/2014/main" xmlns="" id="{DDD01B00-051B-461B-BFC7-744947FF4491}"/>
               </a:ext>
             </a:extLst>
           </p:cNvPr>
@@ -20046,7 +20142,7 @@
           <p:cNvPr id="24" name="Oval 10">
             <a:extLst>
               <a:ext uri="{FF2B5EF4-FFF2-40B4-BE49-F238E27FC236}">
-                <a16:creationId xmlns:a16="http://schemas.microsoft.com/office/drawing/2014/main" id="{F15135E7-0101-4A05-9361-DBD94AAA9259}"/>
+                <a16:creationId xmlns:a16="http://schemas.microsoft.com/office/drawing/2014/main" xmlns="" id="{F15135E7-0101-4A05-9361-DBD94AAA9259}"/>
               </a:ext>
             </a:extLst>
           </p:cNvPr>
@@ -20100,7 +20196,7 @@
           <p:cNvPr id="25" name="TextBox 24">
             <a:extLst>
               <a:ext uri="{FF2B5EF4-FFF2-40B4-BE49-F238E27FC236}">
-                <a16:creationId xmlns:a16="http://schemas.microsoft.com/office/drawing/2014/main" id="{8985DC7C-7836-4F59-9A0C-FBD88FCA4AC4}"/>
+                <a16:creationId xmlns:a16="http://schemas.microsoft.com/office/drawing/2014/main" xmlns="" id="{8985DC7C-7836-4F59-9A0C-FBD88FCA4AC4}"/>
               </a:ext>
             </a:extLst>
           </p:cNvPr>
@@ -20159,7 +20255,7 @@
           <p:cNvPr id="27" name="TextBox 26">
             <a:extLst>
               <a:ext uri="{FF2B5EF4-FFF2-40B4-BE49-F238E27FC236}">
-                <a16:creationId xmlns:a16="http://schemas.microsoft.com/office/drawing/2014/main" id="{AD381E51-21DA-40C8-9ED5-20DE4C6BAC8F}"/>
+                <a16:creationId xmlns:a16="http://schemas.microsoft.com/office/drawing/2014/main" xmlns="" id="{AD381E51-21DA-40C8-9ED5-20DE4C6BAC8F}"/>
               </a:ext>
             </a:extLst>
           </p:cNvPr>
@@ -20307,7 +20403,7 @@
           <p:cNvPr id="35" name="TextBox 34">
             <a:extLst>
               <a:ext uri="{FF2B5EF4-FFF2-40B4-BE49-F238E27FC236}">
-                <a16:creationId xmlns:a16="http://schemas.microsoft.com/office/drawing/2014/main" id="{F0E8EE40-3CA0-4BE3-BE38-F7947FCC07B6}"/>
+                <a16:creationId xmlns:a16="http://schemas.microsoft.com/office/drawing/2014/main" xmlns="" id="{F0E8EE40-3CA0-4BE3-BE38-F7947FCC07B6}"/>
               </a:ext>
             </a:extLst>
           </p:cNvPr>
@@ -21104,7 +21200,7 @@
   <a:extraClrSchemeLst/>
   <a:extLst>
     <a:ext uri="{05A4C25C-085E-4340-85A3-A5531E510DB2}">
-      <thm15:themeFamily xmlns:thm15="http://schemas.microsoft.com/office/thememl/2012/main" name="Office Theme" id="{62F939B6-93AF-4DB8-9C6B-D6C7DFDC589F}" vid="{4A3C46E8-61CC-4603-A589-7422A47A8E4A}"/>
+      <thm15:themeFamily xmlns:thm15="http://schemas.microsoft.com/office/thememl/2012/main" xmlns="" name="Office Theme" id="{62F939B6-93AF-4DB8-9C6B-D6C7DFDC589F}" vid="{4A3C46E8-61CC-4603-A589-7422A47A8E4A}"/>
     </a:ext>
   </a:extLst>
 </a:theme>
@@ -21399,7 +21495,7 @@
   <a:extraClrSchemeLst/>
   <a:extLst>
     <a:ext uri="{05A4C25C-085E-4340-85A3-A5531E510DB2}">
-      <thm15:themeFamily xmlns:thm15="http://schemas.microsoft.com/office/thememl/2012/main" name="Office Theme" id="{62F939B6-93AF-4DB8-9C6B-D6C7DFDC589F}" vid="{4A3C46E8-61CC-4603-A589-7422A47A8E4A}"/>
+      <thm15:themeFamily xmlns:thm15="http://schemas.microsoft.com/office/thememl/2012/main" xmlns="" name="Office Theme" id="{62F939B6-93AF-4DB8-9C6B-D6C7DFDC589F}" vid="{4A3C46E8-61CC-4603-A589-7422A47A8E4A}"/>
     </a:ext>
   </a:extLst>
 </a:theme>
